--- a/00 환경설정 (아나콘다,텐서플로,케라스).pptx
+++ b/00 환경설정 (아나콘다,텐서플로,케라스).pptx
@@ -15,23 +15,22 @@
     <p:sldId id="264" r:id="rId9"/>
     <p:sldId id="265" r:id="rId10"/>
     <p:sldId id="266" r:id="rId11"/>
-    <p:sldId id="267" r:id="rId12"/>
-    <p:sldId id="281" r:id="rId13"/>
-    <p:sldId id="280" r:id="rId14"/>
-    <p:sldId id="271" r:id="rId15"/>
-    <p:sldId id="272" r:id="rId16"/>
-    <p:sldId id="273" r:id="rId17"/>
-    <p:sldId id="274" r:id="rId18"/>
-    <p:sldId id="275" r:id="rId19"/>
-    <p:sldId id="276" r:id="rId20"/>
-    <p:sldId id="277" r:id="rId21"/>
-    <p:sldId id="282" r:id="rId22"/>
-    <p:sldId id="283" r:id="rId23"/>
-    <p:sldId id="278" r:id="rId24"/>
-    <p:sldId id="268" r:id="rId25"/>
-    <p:sldId id="269" r:id="rId26"/>
-    <p:sldId id="258" r:id="rId27"/>
-    <p:sldId id="279" r:id="rId28"/>
+    <p:sldId id="281" r:id="rId12"/>
+    <p:sldId id="280" r:id="rId13"/>
+    <p:sldId id="271" r:id="rId14"/>
+    <p:sldId id="272" r:id="rId15"/>
+    <p:sldId id="273" r:id="rId16"/>
+    <p:sldId id="274" r:id="rId17"/>
+    <p:sldId id="275" r:id="rId18"/>
+    <p:sldId id="276" r:id="rId19"/>
+    <p:sldId id="277" r:id="rId20"/>
+    <p:sldId id="282" r:id="rId21"/>
+    <p:sldId id="283" r:id="rId22"/>
+    <p:sldId id="278" r:id="rId23"/>
+    <p:sldId id="268" r:id="rId24"/>
+    <p:sldId id="269" r:id="rId25"/>
+    <p:sldId id="258" r:id="rId26"/>
+    <p:sldId id="279" r:id="rId27"/>
   </p:sldIdLst>
   <p:sldSz cx="12192000" cy="6858000"/>
   <p:notesSz cx="6858000" cy="9144000"/>
@@ -285,7 +284,7 @@
           <a:p>
             <a:fld id="{47CBD0A6-283A-4ECD-BAC3-A4511C0DF4B8}" type="datetimeFigureOut">
               <a:rPr lang="ko-KR" altLang="en-US" smtClean="0"/>
-              <a:t>2020-01-11</a:t>
+              <a:t>2020-01-14</a:t>
             </a:fld>
             <a:endParaRPr lang="ko-KR" altLang="en-US"/>
           </a:p>
@@ -483,7 +482,7 @@
           <a:p>
             <a:fld id="{47CBD0A6-283A-4ECD-BAC3-A4511C0DF4B8}" type="datetimeFigureOut">
               <a:rPr lang="ko-KR" altLang="en-US" smtClean="0"/>
-              <a:t>2020-01-11</a:t>
+              <a:t>2020-01-14</a:t>
             </a:fld>
             <a:endParaRPr lang="ko-KR" altLang="en-US"/>
           </a:p>
@@ -691,7 +690,7 @@
           <a:p>
             <a:fld id="{47CBD0A6-283A-4ECD-BAC3-A4511C0DF4B8}" type="datetimeFigureOut">
               <a:rPr lang="ko-KR" altLang="en-US" smtClean="0"/>
-              <a:t>2020-01-11</a:t>
+              <a:t>2020-01-14</a:t>
             </a:fld>
             <a:endParaRPr lang="ko-KR" altLang="en-US"/>
           </a:p>
@@ -889,7 +888,7 @@
           <a:p>
             <a:fld id="{47CBD0A6-283A-4ECD-BAC3-A4511C0DF4B8}" type="datetimeFigureOut">
               <a:rPr lang="ko-KR" altLang="en-US" smtClean="0"/>
-              <a:t>2020-01-11</a:t>
+              <a:t>2020-01-14</a:t>
             </a:fld>
             <a:endParaRPr lang="ko-KR" altLang="en-US"/>
           </a:p>
@@ -1164,7 +1163,7 @@
           <a:p>
             <a:fld id="{47CBD0A6-283A-4ECD-BAC3-A4511C0DF4B8}" type="datetimeFigureOut">
               <a:rPr lang="ko-KR" altLang="en-US" smtClean="0"/>
-              <a:t>2020-01-11</a:t>
+              <a:t>2020-01-14</a:t>
             </a:fld>
             <a:endParaRPr lang="ko-KR" altLang="en-US"/>
           </a:p>
@@ -1429,7 +1428,7 @@
           <a:p>
             <a:fld id="{47CBD0A6-283A-4ECD-BAC3-A4511C0DF4B8}" type="datetimeFigureOut">
               <a:rPr lang="ko-KR" altLang="en-US" smtClean="0"/>
-              <a:t>2020-01-11</a:t>
+              <a:t>2020-01-14</a:t>
             </a:fld>
             <a:endParaRPr lang="ko-KR" altLang="en-US"/>
           </a:p>
@@ -1841,7 +1840,7 @@
           <a:p>
             <a:fld id="{47CBD0A6-283A-4ECD-BAC3-A4511C0DF4B8}" type="datetimeFigureOut">
               <a:rPr lang="ko-KR" altLang="en-US" smtClean="0"/>
-              <a:t>2020-01-11</a:t>
+              <a:t>2020-01-14</a:t>
             </a:fld>
             <a:endParaRPr lang="ko-KR" altLang="en-US"/>
           </a:p>
@@ -1982,7 +1981,7 @@
           <a:p>
             <a:fld id="{47CBD0A6-283A-4ECD-BAC3-A4511C0DF4B8}" type="datetimeFigureOut">
               <a:rPr lang="ko-KR" altLang="en-US" smtClean="0"/>
-              <a:t>2020-01-11</a:t>
+              <a:t>2020-01-14</a:t>
             </a:fld>
             <a:endParaRPr lang="ko-KR" altLang="en-US"/>
           </a:p>
@@ -2095,7 +2094,7 @@
           <a:p>
             <a:fld id="{47CBD0A6-283A-4ECD-BAC3-A4511C0DF4B8}" type="datetimeFigureOut">
               <a:rPr lang="ko-KR" altLang="en-US" smtClean="0"/>
-              <a:t>2020-01-11</a:t>
+              <a:t>2020-01-14</a:t>
             </a:fld>
             <a:endParaRPr lang="ko-KR" altLang="en-US"/>
           </a:p>
@@ -2406,7 +2405,7 @@
           <a:p>
             <a:fld id="{47CBD0A6-283A-4ECD-BAC3-A4511C0DF4B8}" type="datetimeFigureOut">
               <a:rPr lang="ko-KR" altLang="en-US" smtClean="0"/>
-              <a:t>2020-01-11</a:t>
+              <a:t>2020-01-14</a:t>
             </a:fld>
             <a:endParaRPr lang="ko-KR" altLang="en-US"/>
           </a:p>
@@ -2694,7 +2693,7 @@
           <a:p>
             <a:fld id="{47CBD0A6-283A-4ECD-BAC3-A4511C0DF4B8}" type="datetimeFigureOut">
               <a:rPr lang="ko-KR" altLang="en-US" smtClean="0"/>
-              <a:t>2020-01-11</a:t>
+              <a:t>2020-01-14</a:t>
             </a:fld>
             <a:endParaRPr lang="ko-KR" altLang="en-US"/>
           </a:p>
@@ -2935,7 +2934,7 @@
           <a:p>
             <a:fld id="{47CBD0A6-283A-4ECD-BAC3-A4511C0DF4B8}" type="datetimeFigureOut">
               <a:rPr lang="ko-KR" altLang="en-US" smtClean="0"/>
-              <a:t>2020-01-11</a:t>
+              <a:t>2020-01-14</a:t>
             </a:fld>
             <a:endParaRPr lang="ko-KR" altLang="en-US"/>
           </a:p>
@@ -3676,7 +3675,7 @@
         <p:spPr>
           <a:xfrm>
             <a:off x="0" y="150829"/>
-            <a:ext cx="5847498" cy="3693319"/>
+            <a:ext cx="5847498" cy="6463308"/>
           </a:xfrm>
           <a:prstGeom prst="rect">
             <a:avLst/>
@@ -3765,7 +3764,7 @@
                   <a:schemeClr val="bg1"/>
                 </a:solidFill>
               </a:rPr>
-              <a:t>(base) C:\Users\alro9&gt;conda update –all</a:t>
+              <a:t>(base) C:\Users\alro9&gt;conda update --all</a:t>
             </a:r>
           </a:p>
           <a:p>
@@ -3834,7 +3833,188 @@
                   <a:schemeClr val="bg1"/>
                 </a:solidFill>
               </a:rPr>
+              <a:t>(base) C:\Users\alro9&gt;pip install </a:t>
+            </a:r>
+            <a:r>
+              <a:rPr lang="en-US" altLang="ko-KR" dirty="0" err="1">
+                <a:solidFill>
+                  <a:schemeClr val="bg1"/>
+                </a:solidFill>
+              </a:rPr>
+              <a:t>tensorflow</a:t>
+            </a:r>
+            <a:endParaRPr lang="en-US" altLang="ko-KR" dirty="0">
+              <a:solidFill>
+                <a:schemeClr val="bg1"/>
+              </a:solidFill>
+            </a:endParaRPr>
+          </a:p>
+          <a:p>
+            <a:r>
+              <a:rPr lang="en-US" altLang="ko-KR" dirty="0">
+                <a:solidFill>
+                  <a:schemeClr val="bg2">
+                    <a:lumMod val="50000"/>
+                  </a:schemeClr>
+                </a:solidFill>
+              </a:rPr>
+              <a:t>(base) C:\Users\alro9&gt;pip install </a:t>
+            </a:r>
+            <a:r>
+              <a:rPr lang="en-US" altLang="ko-KR" dirty="0" err="1">
+                <a:solidFill>
+                  <a:schemeClr val="bg2">
+                    <a:lumMod val="50000"/>
+                  </a:schemeClr>
+                </a:solidFill>
+              </a:rPr>
+              <a:t>msgpack</a:t>
+            </a:r>
+            <a:endParaRPr lang="en-US" altLang="ko-KR" dirty="0">
+              <a:solidFill>
+                <a:schemeClr val="bg2">
+                  <a:lumMod val="50000"/>
+                </a:schemeClr>
+              </a:solidFill>
+            </a:endParaRPr>
+          </a:p>
+          <a:p>
+            <a:r>
+              <a:rPr lang="en-US" altLang="ko-KR" dirty="0">
+                <a:solidFill>
+                  <a:schemeClr val="bg1"/>
+                </a:solidFill>
+              </a:rPr>
+              <a:t>(base) C:\Users\alro9&gt;pip install </a:t>
+            </a:r>
+            <a:r>
+              <a:rPr lang="en-US" altLang="ko-KR" dirty="0" err="1">
+                <a:solidFill>
+                  <a:schemeClr val="bg1"/>
+                </a:solidFill>
+              </a:rPr>
+              <a:t>keras</a:t>
+            </a:r>
+            <a:endParaRPr lang="en-US" altLang="ko-KR" dirty="0">
+              <a:solidFill>
+                <a:schemeClr val="bg1"/>
+              </a:solidFill>
+            </a:endParaRPr>
+          </a:p>
+          <a:p>
+            <a:endParaRPr lang="en-US" altLang="ko-KR" dirty="0">
+              <a:solidFill>
+                <a:schemeClr val="bg1"/>
+              </a:solidFill>
+            </a:endParaRPr>
+          </a:p>
+          <a:p>
+            <a:r>
+              <a:rPr lang="en-US" altLang="ko-KR" dirty="0">
+                <a:solidFill>
+                  <a:schemeClr val="bg1"/>
+                </a:solidFill>
+              </a:rPr>
+              <a:t>(base) C:\Users\alro9&gt;python</a:t>
+            </a:r>
+          </a:p>
+          <a:p>
+            <a:endParaRPr lang="en-US" altLang="ko-KR" dirty="0">
+              <a:solidFill>
+                <a:schemeClr val="bg1"/>
+              </a:solidFill>
+            </a:endParaRPr>
+          </a:p>
+          <a:p>
+            <a:endParaRPr lang="en-US" altLang="ko-KR" dirty="0">
+              <a:solidFill>
+                <a:schemeClr val="bg1"/>
+              </a:solidFill>
+            </a:endParaRPr>
+          </a:p>
+          <a:p>
+            <a:endParaRPr lang="en-US" altLang="ko-KR" dirty="0">
+              <a:solidFill>
+                <a:schemeClr val="bg1"/>
+              </a:solidFill>
+            </a:endParaRPr>
+          </a:p>
+          <a:p>
+            <a:endParaRPr lang="en-US" altLang="ko-KR" dirty="0">
+              <a:solidFill>
+                <a:schemeClr val="bg1"/>
+              </a:solidFill>
+            </a:endParaRPr>
+          </a:p>
+          <a:p>
+            <a:endParaRPr lang="en-US" altLang="ko-KR" dirty="0">
+              <a:solidFill>
+                <a:schemeClr val="bg1"/>
+              </a:solidFill>
+            </a:endParaRPr>
+          </a:p>
+          <a:p>
+            <a:r>
+              <a:rPr lang="en-US" altLang="ko-KR" dirty="0">
+                <a:solidFill>
+                  <a:schemeClr val="bg1"/>
+                </a:solidFill>
+              </a:rPr>
               <a:t> </a:t>
+            </a:r>
+          </a:p>
+        </p:txBody>
+      </p:sp>
+      <p:sp>
+        <p:nvSpPr>
+          <p:cNvPr id="7" name="TextBox 6">
+            <a:extLst>
+              <a:ext uri="{FF2B5EF4-FFF2-40B4-BE49-F238E27FC236}">
+                <a16:creationId xmlns:a16="http://schemas.microsoft.com/office/drawing/2014/main" id="{BAE20A05-BA05-482C-8F2D-C29E5B1F8D2A}"/>
+              </a:ext>
+            </a:extLst>
+          </p:cNvPr>
+          <p:cNvSpPr txBox="1"/>
+          <p:nvPr/>
+        </p:nvSpPr>
+        <p:spPr>
+          <a:xfrm>
+            <a:off x="6095997" y="2412986"/>
+            <a:ext cx="5740923" cy="646331"/>
+          </a:xfrm>
+          <a:prstGeom prst="rect">
+            <a:avLst/>
+          </a:prstGeom>
+          <a:solidFill>
+            <a:schemeClr val="bg1">
+              <a:lumMod val="85000"/>
+            </a:schemeClr>
+          </a:solidFill>
+        </p:spPr>
+        <p:txBody>
+          <a:bodyPr wrap="square" rtlCol="0">
+            <a:spAutoFit/>
+          </a:bodyPr>
+          <a:lstStyle/>
+          <a:p>
+            <a:r>
+              <a:rPr lang="ko-KR" altLang="en-US" dirty="0" err="1"/>
+              <a:t>텐서플로</a:t>
+            </a:r>
+            <a:r>
+              <a:rPr lang="ko-KR" altLang="en-US" dirty="0"/>
+              <a:t> 설치에서</a:t>
+            </a:r>
+            <a:endParaRPr lang="en-US" altLang="ko-KR" dirty="0"/>
+          </a:p>
+          <a:p>
+            <a:r>
+              <a:rPr lang="en-US" altLang="ko-KR" dirty="0" err="1"/>
+              <a:t>msgpack</a:t>
+            </a:r>
+            <a:r>
+              <a:rPr lang="ko-KR" altLang="en-US" dirty="0"/>
+              <a:t>이 필요하다는 경고가 뜨면 설치해줌</a:t>
             </a:r>
           </a:p>
         </p:txBody>
@@ -3949,7 +4129,7 @@
         </p:blipFill>
         <p:spPr>
           <a:xfrm>
-            <a:off x="0" y="0"/>
+            <a:off x="358219" y="47134"/>
             <a:ext cx="12192000" cy="6858000"/>
           </a:xfrm>
           <a:prstGeom prst="rect">
@@ -3972,7 +4152,7 @@
         <p:spPr>
           <a:xfrm>
             <a:off x="0" y="150829"/>
-            <a:ext cx="8294002" cy="4524315"/>
+            <a:ext cx="266420" cy="646331"/>
           </a:xfrm>
           <a:prstGeom prst="rect">
             <a:avLst/>
@@ -3992,177 +4172,6 @@
             </a:endParaRPr>
           </a:p>
           <a:p>
-            <a:endParaRPr lang="en-US" altLang="ko-KR" dirty="0">
-              <a:solidFill>
-                <a:schemeClr val="bg1"/>
-              </a:solidFill>
-            </a:endParaRPr>
-          </a:p>
-          <a:p>
-            <a:r>
-              <a:rPr lang="en-US" altLang="ko-KR" dirty="0">
-                <a:solidFill>
-                  <a:schemeClr val="bg1"/>
-                </a:solidFill>
-              </a:rPr>
-              <a:t>(base) C:\Users\alro9&gt;pip</a:t>
-            </a:r>
-            <a:r>
-              <a:rPr lang="ko-KR" altLang="en-US" dirty="0">
-                <a:solidFill>
-                  <a:schemeClr val="bg1"/>
-                </a:solidFill>
-              </a:rPr>
-              <a:t> </a:t>
-            </a:r>
-            <a:r>
-              <a:rPr lang="en-US" altLang="ko-KR" dirty="0">
-                <a:solidFill>
-                  <a:schemeClr val="bg1"/>
-                </a:solidFill>
-              </a:rPr>
-              <a:t>install</a:t>
-            </a:r>
-            <a:r>
-              <a:rPr lang="ko-KR" altLang="en-US" dirty="0">
-                <a:solidFill>
-                  <a:schemeClr val="bg1"/>
-                </a:solidFill>
-              </a:rPr>
-              <a:t> </a:t>
-            </a:r>
-            <a:r>
-              <a:rPr lang="en-US" altLang="ko-KR" dirty="0" err="1">
-                <a:solidFill>
-                  <a:schemeClr val="bg1"/>
-                </a:solidFill>
-              </a:rPr>
-              <a:t>tensorflow</a:t>
-            </a:r>
-            <a:endParaRPr lang="en-US" altLang="ko-KR" dirty="0">
-              <a:solidFill>
-                <a:schemeClr val="bg1"/>
-              </a:solidFill>
-            </a:endParaRPr>
-          </a:p>
-          <a:p>
-            <a:r>
-              <a:rPr lang="en-US" altLang="ko-KR" dirty="0">
-                <a:solidFill>
-                  <a:schemeClr val="bg1"/>
-                </a:solidFill>
-              </a:rPr>
-              <a:t>(base) C:\Users\alro9&gt;pip</a:t>
-            </a:r>
-            <a:r>
-              <a:rPr lang="ko-KR" altLang="en-US" dirty="0">
-                <a:solidFill>
-                  <a:schemeClr val="bg1"/>
-                </a:solidFill>
-              </a:rPr>
-              <a:t> </a:t>
-            </a:r>
-            <a:r>
-              <a:rPr lang="en-US" altLang="ko-KR" dirty="0">
-                <a:solidFill>
-                  <a:schemeClr val="bg1"/>
-                </a:solidFill>
-              </a:rPr>
-              <a:t>install</a:t>
-            </a:r>
-            <a:r>
-              <a:rPr lang="ko-KR" altLang="en-US" dirty="0">
-                <a:solidFill>
-                  <a:schemeClr val="bg1"/>
-                </a:solidFill>
-              </a:rPr>
-              <a:t> </a:t>
-            </a:r>
-            <a:r>
-              <a:rPr lang="en-US" altLang="ko-KR" dirty="0" err="1">
-                <a:solidFill>
-                  <a:schemeClr val="bg1"/>
-                </a:solidFill>
-              </a:rPr>
-              <a:t>msgpack</a:t>
-            </a:r>
-            <a:endParaRPr lang="en-US" altLang="ko-KR" dirty="0">
-              <a:solidFill>
-                <a:schemeClr val="bg1"/>
-              </a:solidFill>
-            </a:endParaRPr>
-          </a:p>
-          <a:p>
-            <a:r>
-              <a:rPr lang="en-US" altLang="ko-KR" dirty="0">
-                <a:solidFill>
-                  <a:schemeClr val="bg1"/>
-                </a:solidFill>
-              </a:rPr>
-              <a:t>(base) C:\Users\alro9&gt;pip</a:t>
-            </a:r>
-            <a:r>
-              <a:rPr lang="ko-KR" altLang="en-US" dirty="0">
-                <a:solidFill>
-                  <a:schemeClr val="bg1"/>
-                </a:solidFill>
-              </a:rPr>
-              <a:t> </a:t>
-            </a:r>
-            <a:r>
-              <a:rPr lang="en-US" altLang="ko-KR" dirty="0">
-                <a:solidFill>
-                  <a:schemeClr val="bg1"/>
-                </a:solidFill>
-              </a:rPr>
-              <a:t>install</a:t>
-            </a:r>
-            <a:r>
-              <a:rPr lang="ko-KR" altLang="en-US" dirty="0">
-                <a:solidFill>
-                  <a:schemeClr val="bg1"/>
-                </a:solidFill>
-              </a:rPr>
-              <a:t> </a:t>
-            </a:r>
-            <a:r>
-              <a:rPr lang="en-US" altLang="ko-KR" dirty="0" err="1">
-                <a:solidFill>
-                  <a:schemeClr val="bg1"/>
-                </a:solidFill>
-              </a:rPr>
-              <a:t>keras</a:t>
-            </a:r>
-            <a:endParaRPr lang="en-US" altLang="ko-KR" dirty="0">
-              <a:solidFill>
-                <a:schemeClr val="bg1"/>
-              </a:solidFill>
-            </a:endParaRPr>
-          </a:p>
-          <a:p>
-            <a:endParaRPr lang="en-US" altLang="ko-KR" dirty="0">
-              <a:solidFill>
-                <a:schemeClr val="bg1"/>
-              </a:solidFill>
-            </a:endParaRPr>
-          </a:p>
-          <a:p>
-            <a:r>
-              <a:rPr lang="en-US" altLang="ko-KR" dirty="0">
-                <a:solidFill>
-                  <a:schemeClr val="bg1"/>
-                </a:solidFill>
-              </a:rPr>
-              <a:t>(base) C:\Users\alro9&gt;conda create -n </a:t>
-            </a:r>
-            <a:r>
-              <a:rPr lang="en-US" altLang="ko-KR" dirty="0" err="1">
-                <a:solidFill>
-                  <a:schemeClr val="bg1"/>
-                </a:solidFill>
-              </a:rPr>
-              <a:t>my_env</a:t>
-            </a:r>
             <a:r>
               <a:rPr lang="en-US" altLang="ko-KR" dirty="0">
                 <a:solidFill>
@@ -4171,489 +4180,58 @@
               </a:rPr>
               <a:t> </a:t>
             </a:r>
-            <a:r>
-              <a:rPr lang="en-US" altLang="ko-KR" dirty="0" err="1">
-                <a:solidFill>
-                  <a:schemeClr val="bg1"/>
-                </a:solidFill>
-              </a:rPr>
-              <a:t>tensorflow</a:t>
-            </a:r>
+          </a:p>
+        </p:txBody>
+      </p:sp>
+      <p:sp>
+        <p:nvSpPr>
+          <p:cNvPr id="13" name="TextBox 12">
+            <a:extLst>
+              <a:ext uri="{FF2B5EF4-FFF2-40B4-BE49-F238E27FC236}">
+                <a16:creationId xmlns:a16="http://schemas.microsoft.com/office/drawing/2014/main" id="{94B7B568-062D-4889-B3F8-16386E6CEC7D}"/>
+              </a:ext>
+            </a:extLst>
+          </p:cNvPr>
+          <p:cNvSpPr txBox="1"/>
+          <p:nvPr/>
+        </p:nvSpPr>
+        <p:spPr>
+          <a:xfrm>
+            <a:off x="0" y="150829"/>
+            <a:ext cx="2683683" cy="923330"/>
+          </a:xfrm>
+          <a:prstGeom prst="rect">
+            <a:avLst/>
+          </a:prstGeom>
+          <a:noFill/>
+        </p:spPr>
+        <p:txBody>
+          <a:bodyPr wrap="none" rtlCol="0">
+            <a:spAutoFit/>
+          </a:bodyPr>
+          <a:lstStyle/>
+          <a:p>
+            <a:endParaRPr lang="en-US" altLang="ko-KR" dirty="0">
+              <a:solidFill>
+                <a:schemeClr val="bg1"/>
+              </a:solidFill>
+            </a:endParaRPr>
+          </a:p>
+          <a:p>
+            <a:endParaRPr lang="en-US" altLang="ko-KR" dirty="0">
+              <a:solidFill>
+                <a:schemeClr val="bg1"/>
+              </a:solidFill>
+            </a:endParaRPr>
+          </a:p>
+          <a:p>
             <a:r>
               <a:rPr lang="en-US" altLang="ko-KR" dirty="0">
                 <a:solidFill>
                   <a:schemeClr val="bg1"/>
                 </a:solidFill>
               </a:rPr>
-              <a:t> </a:t>
-            </a:r>
-            <a:r>
-              <a:rPr lang="en-US" altLang="ko-KR" dirty="0" err="1">
-                <a:solidFill>
-                  <a:schemeClr val="bg1"/>
-                </a:solidFill>
-              </a:rPr>
-              <a:t>keras</a:t>
-            </a:r>
-            <a:r>
-              <a:rPr lang="en-US" altLang="ko-KR" dirty="0">
-                <a:solidFill>
-                  <a:schemeClr val="bg1"/>
-                </a:solidFill>
-              </a:rPr>
-              <a:t> python=3.6</a:t>
-            </a:r>
-          </a:p>
-          <a:p>
-            <a:endParaRPr lang="en-US" altLang="ko-KR" dirty="0">
-              <a:solidFill>
-                <a:schemeClr val="bg1"/>
-              </a:solidFill>
-            </a:endParaRPr>
-          </a:p>
-          <a:p>
-            <a:r>
-              <a:rPr lang="en-US" altLang="ko-KR" dirty="0">
-                <a:solidFill>
-                  <a:schemeClr val="bg1"/>
-                </a:solidFill>
-              </a:rPr>
-              <a:t>Proceed ([y]/n)? y	</a:t>
-            </a:r>
-          </a:p>
-          <a:p>
-            <a:endParaRPr lang="en-US" altLang="ko-KR" dirty="0">
-              <a:solidFill>
-                <a:schemeClr val="bg1"/>
-              </a:solidFill>
-            </a:endParaRPr>
-          </a:p>
-          <a:p>
-            <a:r>
-              <a:rPr lang="en-US" altLang="ko-KR" dirty="0">
-                <a:solidFill>
-                  <a:schemeClr val="bg1"/>
-                </a:solidFill>
-              </a:rPr>
-              <a:t>(base) C:\Users\alro9&gt;activate </a:t>
-            </a:r>
-            <a:r>
-              <a:rPr lang="en-US" altLang="ko-KR" dirty="0" err="1">
-                <a:solidFill>
-                  <a:schemeClr val="bg1"/>
-                </a:solidFill>
-              </a:rPr>
-              <a:t>my_env</a:t>
-            </a:r>
-            <a:endParaRPr lang="en-US" altLang="ko-KR" dirty="0">
-              <a:solidFill>
-                <a:schemeClr val="bg1"/>
-              </a:solidFill>
-            </a:endParaRPr>
-          </a:p>
-          <a:p>
-            <a:r>
-              <a:rPr lang="en-US" altLang="ko-KR" dirty="0">
-                <a:solidFill>
-                  <a:schemeClr val="bg1"/>
-                </a:solidFill>
-              </a:rPr>
-              <a:t> </a:t>
-            </a:r>
-          </a:p>
-          <a:p>
-            <a:r>
-              <a:rPr lang="en-US" altLang="ko-KR" dirty="0">
-                <a:solidFill>
-                  <a:schemeClr val="bg1"/>
-                </a:solidFill>
-              </a:rPr>
-              <a:t>(</a:t>
-            </a:r>
-            <a:r>
-              <a:rPr lang="en-US" altLang="ko-KR" dirty="0" err="1">
-                <a:solidFill>
-                  <a:schemeClr val="bg1"/>
-                </a:solidFill>
-              </a:rPr>
-              <a:t>my_env</a:t>
-            </a:r>
-            <a:r>
-              <a:rPr lang="en-US" altLang="ko-KR" dirty="0">
-                <a:solidFill>
-                  <a:schemeClr val="bg1"/>
-                </a:solidFill>
-              </a:rPr>
-              <a:t>) C:\Users\alro9&gt;pip</a:t>
-            </a:r>
-            <a:r>
-              <a:rPr lang="ko-KR" altLang="en-US" dirty="0">
-                <a:solidFill>
-                  <a:schemeClr val="bg1"/>
-                </a:solidFill>
-              </a:rPr>
-              <a:t> </a:t>
-            </a:r>
-            <a:r>
-              <a:rPr lang="en-US" altLang="ko-KR" dirty="0">
-                <a:solidFill>
-                  <a:schemeClr val="bg1"/>
-                </a:solidFill>
-              </a:rPr>
-              <a:t>install</a:t>
-            </a:r>
-            <a:r>
-              <a:rPr lang="ko-KR" altLang="en-US" dirty="0">
-                <a:solidFill>
-                  <a:schemeClr val="bg1"/>
-                </a:solidFill>
-              </a:rPr>
-              <a:t> </a:t>
-            </a:r>
-            <a:r>
-              <a:rPr lang="en-US" altLang="ko-KR" dirty="0" err="1">
-                <a:solidFill>
-                  <a:schemeClr val="bg1"/>
-                </a:solidFill>
-              </a:rPr>
-              <a:t>tensorflow</a:t>
-            </a:r>
-            <a:endParaRPr lang="en-US" altLang="ko-KR" dirty="0">
-              <a:solidFill>
-                <a:schemeClr val="bg1"/>
-              </a:solidFill>
-            </a:endParaRPr>
-          </a:p>
-          <a:p>
-            <a:r>
-              <a:rPr lang="en-US" altLang="ko-KR" dirty="0">
-                <a:solidFill>
-                  <a:schemeClr val="bg1"/>
-                </a:solidFill>
-              </a:rPr>
-              <a:t>(</a:t>
-            </a:r>
-            <a:r>
-              <a:rPr lang="en-US" altLang="ko-KR" dirty="0" err="1">
-                <a:solidFill>
-                  <a:schemeClr val="bg1"/>
-                </a:solidFill>
-              </a:rPr>
-              <a:t>my_env</a:t>
-            </a:r>
-            <a:r>
-              <a:rPr lang="en-US" altLang="ko-KR" dirty="0">
-                <a:solidFill>
-                  <a:schemeClr val="bg1"/>
-                </a:solidFill>
-              </a:rPr>
-              <a:t>) C:\Users\alro9&gt;pip</a:t>
-            </a:r>
-            <a:r>
-              <a:rPr lang="ko-KR" altLang="en-US" dirty="0">
-                <a:solidFill>
-                  <a:schemeClr val="bg1"/>
-                </a:solidFill>
-              </a:rPr>
-              <a:t> </a:t>
-            </a:r>
-            <a:r>
-              <a:rPr lang="en-US" altLang="ko-KR" dirty="0">
-                <a:solidFill>
-                  <a:schemeClr val="bg1"/>
-                </a:solidFill>
-              </a:rPr>
-              <a:t>install</a:t>
-            </a:r>
-            <a:r>
-              <a:rPr lang="ko-KR" altLang="en-US" dirty="0">
-                <a:solidFill>
-                  <a:schemeClr val="bg1"/>
-                </a:solidFill>
-              </a:rPr>
-              <a:t> </a:t>
-            </a:r>
-            <a:r>
-              <a:rPr lang="en-US" altLang="ko-KR" dirty="0" err="1">
-                <a:solidFill>
-                  <a:schemeClr val="bg1"/>
-                </a:solidFill>
-              </a:rPr>
-              <a:t>msgpack</a:t>
-            </a:r>
-            <a:endParaRPr lang="en-US" altLang="ko-KR" dirty="0">
-              <a:solidFill>
-                <a:schemeClr val="bg1"/>
-              </a:solidFill>
-            </a:endParaRPr>
-          </a:p>
-          <a:p>
-            <a:r>
-              <a:rPr lang="en-US" altLang="ko-KR" dirty="0">
-                <a:solidFill>
-                  <a:schemeClr val="bg1"/>
-                </a:solidFill>
-              </a:rPr>
-              <a:t>(</a:t>
-            </a:r>
-            <a:r>
-              <a:rPr lang="en-US" altLang="ko-KR" dirty="0" err="1">
-                <a:solidFill>
-                  <a:schemeClr val="bg1"/>
-                </a:solidFill>
-              </a:rPr>
-              <a:t>my_env</a:t>
-            </a:r>
-            <a:r>
-              <a:rPr lang="en-US" altLang="ko-KR" dirty="0">
-                <a:solidFill>
-                  <a:schemeClr val="bg1"/>
-                </a:solidFill>
-              </a:rPr>
-              <a:t>) C:\Users\alro9&gt;pip</a:t>
-            </a:r>
-            <a:r>
-              <a:rPr lang="ko-KR" altLang="en-US" dirty="0">
-                <a:solidFill>
-                  <a:schemeClr val="bg1"/>
-                </a:solidFill>
-              </a:rPr>
-              <a:t> </a:t>
-            </a:r>
-            <a:r>
-              <a:rPr lang="en-US" altLang="ko-KR" dirty="0">
-                <a:solidFill>
-                  <a:schemeClr val="bg1"/>
-                </a:solidFill>
-              </a:rPr>
-              <a:t>install</a:t>
-            </a:r>
-            <a:r>
-              <a:rPr lang="ko-KR" altLang="en-US" dirty="0">
-                <a:solidFill>
-                  <a:schemeClr val="bg1"/>
-                </a:solidFill>
-              </a:rPr>
-              <a:t> </a:t>
-            </a:r>
-            <a:r>
-              <a:rPr lang="en-US" altLang="ko-KR" dirty="0" err="1">
-                <a:solidFill>
-                  <a:schemeClr val="bg1"/>
-                </a:solidFill>
-              </a:rPr>
-              <a:t>keras</a:t>
-            </a:r>
-            <a:endParaRPr lang="en-US" altLang="ko-KR" dirty="0">
-              <a:solidFill>
-                <a:schemeClr val="bg1"/>
-              </a:solidFill>
-            </a:endParaRPr>
-          </a:p>
-          <a:p>
-            <a:endParaRPr lang="en-US" altLang="ko-KR" dirty="0">
-              <a:solidFill>
-                <a:schemeClr val="bg1"/>
-              </a:solidFill>
-            </a:endParaRPr>
-          </a:p>
-        </p:txBody>
-      </p:sp>
-      <p:sp>
-        <p:nvSpPr>
-          <p:cNvPr id="9" name="TextBox 8">
-            <a:extLst>
-              <a:ext uri="{FF2B5EF4-FFF2-40B4-BE49-F238E27FC236}">
-                <a16:creationId xmlns:a16="http://schemas.microsoft.com/office/drawing/2014/main" id="{7739820A-4AF8-45CC-8856-68F4732B80D8}"/>
-              </a:ext>
-            </a:extLst>
-          </p:cNvPr>
-          <p:cNvSpPr txBox="1"/>
-          <p:nvPr/>
-        </p:nvSpPr>
-        <p:spPr>
-          <a:xfrm>
-            <a:off x="6095999" y="3806564"/>
-            <a:ext cx="5740923" cy="646331"/>
-          </a:xfrm>
-          <a:prstGeom prst="rect">
-            <a:avLst/>
-          </a:prstGeom>
-          <a:solidFill>
-            <a:schemeClr val="bg1">
-              <a:lumMod val="85000"/>
-            </a:schemeClr>
-          </a:solidFill>
-        </p:spPr>
-        <p:txBody>
-          <a:bodyPr wrap="square" rtlCol="0">
-            <a:spAutoFit/>
-          </a:bodyPr>
-          <a:lstStyle/>
-          <a:p>
-            <a:r>
-              <a:rPr lang="en-US" altLang="ko-KR" dirty="0" err="1"/>
-              <a:t>my_env</a:t>
-            </a:r>
-            <a:r>
-              <a:rPr lang="en-US" altLang="ko-KR" dirty="0"/>
-              <a:t> </a:t>
-            </a:r>
-            <a:r>
-              <a:rPr lang="ko-KR" altLang="en-US" dirty="0"/>
-              <a:t>라는 이름의 가상환경 만들어서</a:t>
-            </a:r>
-            <a:endParaRPr lang="en-US" altLang="ko-KR" dirty="0"/>
-          </a:p>
-          <a:p>
-            <a:r>
-              <a:rPr lang="ko-KR" altLang="en-US" dirty="0"/>
-              <a:t>여기에 </a:t>
-            </a:r>
-            <a:r>
-              <a:rPr lang="en-US" altLang="ko-KR" dirty="0" err="1"/>
-              <a:t>keras</a:t>
-            </a:r>
-            <a:r>
-              <a:rPr lang="en-US" altLang="ko-KR" dirty="0"/>
-              <a:t> </a:t>
-            </a:r>
-            <a:r>
-              <a:rPr lang="ko-KR" altLang="en-US" dirty="0"/>
-              <a:t>와 </a:t>
-            </a:r>
-            <a:r>
-              <a:rPr lang="en-US" altLang="ko-KR" dirty="0" err="1"/>
-              <a:t>tensorflow</a:t>
-            </a:r>
-            <a:r>
-              <a:rPr lang="ko-KR" altLang="en-US" dirty="0"/>
-              <a:t> 를 </a:t>
-            </a:r>
-            <a:r>
-              <a:rPr lang="ko-KR" altLang="en-US" dirty="0" err="1"/>
-              <a:t>설치할것이다</a:t>
-            </a:r>
-            <a:r>
-              <a:rPr lang="en-US" altLang="ko-KR" dirty="0"/>
-              <a:t>.</a:t>
-            </a:r>
-            <a:endParaRPr lang="ko-KR" altLang="en-US" dirty="0"/>
-          </a:p>
-        </p:txBody>
-      </p:sp>
-      <p:sp>
-        <p:nvSpPr>
-          <p:cNvPr id="10" name="TextBox 9">
-            <a:extLst>
-              <a:ext uri="{FF2B5EF4-FFF2-40B4-BE49-F238E27FC236}">
-                <a16:creationId xmlns:a16="http://schemas.microsoft.com/office/drawing/2014/main" id="{566546B1-5E8D-4980-8605-FEECE5678A32}"/>
-              </a:ext>
-            </a:extLst>
-          </p:cNvPr>
-          <p:cNvSpPr txBox="1"/>
-          <p:nvPr/>
-        </p:nvSpPr>
-        <p:spPr>
-          <a:xfrm>
-            <a:off x="6095999" y="5629843"/>
-            <a:ext cx="5740923" cy="646331"/>
-          </a:xfrm>
-          <a:prstGeom prst="rect">
-            <a:avLst/>
-          </a:prstGeom>
-          <a:solidFill>
-            <a:schemeClr val="bg1">
-              <a:lumMod val="85000"/>
-            </a:schemeClr>
-          </a:solidFill>
-        </p:spPr>
-        <p:txBody>
-          <a:bodyPr wrap="square" rtlCol="0">
-            <a:spAutoFit/>
-          </a:bodyPr>
-          <a:lstStyle/>
-          <a:p>
-            <a:r>
-              <a:rPr lang="ko-KR" altLang="en-US" dirty="0" err="1"/>
-              <a:t>텐서플로</a:t>
-            </a:r>
-            <a:r>
-              <a:rPr lang="ko-KR" altLang="en-US" dirty="0"/>
-              <a:t> 설치에서</a:t>
-            </a:r>
-            <a:endParaRPr lang="en-US" altLang="ko-KR" dirty="0"/>
-          </a:p>
-          <a:p>
-            <a:r>
-              <a:rPr lang="en-US" altLang="ko-KR" dirty="0" err="1"/>
-              <a:t>msgpack</a:t>
-            </a:r>
-            <a:r>
-              <a:rPr lang="ko-KR" altLang="en-US" dirty="0"/>
-              <a:t>이 필요하다는 경고가 뜨면 설치해줌</a:t>
-            </a:r>
-          </a:p>
-        </p:txBody>
-      </p:sp>
-      <p:sp>
-        <p:nvSpPr>
-          <p:cNvPr id="11" name="TextBox 10">
-            <a:extLst>
-              <a:ext uri="{FF2B5EF4-FFF2-40B4-BE49-F238E27FC236}">
-                <a16:creationId xmlns:a16="http://schemas.microsoft.com/office/drawing/2014/main" id="{347B4342-A031-47ED-915B-9741C7324045}"/>
-              </a:ext>
-            </a:extLst>
-          </p:cNvPr>
-          <p:cNvSpPr txBox="1"/>
-          <p:nvPr/>
-        </p:nvSpPr>
-        <p:spPr>
-          <a:xfrm>
-            <a:off x="6095998" y="4695960"/>
-            <a:ext cx="5740923" cy="646331"/>
-          </a:xfrm>
-          <a:prstGeom prst="rect">
-            <a:avLst/>
-          </a:prstGeom>
-          <a:solidFill>
-            <a:schemeClr val="bg1">
-              <a:lumMod val="85000"/>
-            </a:schemeClr>
-          </a:solidFill>
-        </p:spPr>
-        <p:txBody>
-          <a:bodyPr wrap="square" rtlCol="0">
-            <a:spAutoFit/>
-          </a:bodyPr>
-          <a:lstStyle/>
-          <a:p>
-            <a:r>
-              <a:rPr lang="ko-KR" altLang="en-US" dirty="0"/>
-              <a:t>가상환경 </a:t>
-            </a:r>
-            <a:r>
-              <a:rPr lang="en-US" altLang="ko-KR" dirty="0" err="1"/>
-              <a:t>my_env</a:t>
-            </a:r>
-            <a:r>
-              <a:rPr lang="ko-KR" altLang="en-US" dirty="0"/>
-              <a:t>를 활성화시킨 후</a:t>
-            </a:r>
-            <a:endParaRPr lang="en-US" altLang="ko-KR" dirty="0"/>
-          </a:p>
-          <a:p>
-            <a:r>
-              <a:rPr lang="ko-KR" altLang="en-US" dirty="0"/>
-              <a:t>그 내부에서 </a:t>
-            </a:r>
-            <a:r>
-              <a:rPr lang="en-US" altLang="ko-KR" dirty="0"/>
-              <a:t>pip install </a:t>
-            </a:r>
-            <a:r>
-              <a:rPr lang="ko-KR" altLang="en-US" dirty="0"/>
-              <a:t>실행</a:t>
+              <a:t>(base) C:\Users\alro9&gt;</a:t>
             </a:r>
           </a:p>
         </p:txBody>
@@ -4661,7 +4239,7 @@
     </p:spTree>
     <p:extLst>
       <p:ext uri="{BB962C8B-B14F-4D97-AF65-F5344CB8AC3E}">
-        <p14:creationId xmlns:p14="http://schemas.microsoft.com/office/powerpoint/2010/main" val="1059727933"/>
+        <p14:creationId xmlns:p14="http://schemas.microsoft.com/office/powerpoint/2010/main" val="3405720616"/>
       </p:ext>
     </p:extLst>
   </p:cSld>
@@ -4693,7 +4271,7 @@
           <p:cNvPr id="6" name="직사각형 5">
             <a:extLst>
               <a:ext uri="{FF2B5EF4-FFF2-40B4-BE49-F238E27FC236}">
-                <a16:creationId xmlns:a16="http://schemas.microsoft.com/office/drawing/2014/main" id="{E212119E-4A44-4545-9B9B-5E951B67E51B}"/>
+                <a16:creationId xmlns:a16="http://schemas.microsoft.com/office/drawing/2014/main" id="{A0E3B263-155E-4B4B-BBB4-03F72CB7A0C2}"/>
               </a:ext>
             </a:extLst>
           </p:cNvPr>
@@ -4702,14 +4280,14 @@
         </p:nvSpPr>
         <p:spPr>
           <a:xfrm>
-            <a:off x="0" y="0"/>
-            <a:ext cx="12192000" cy="1825625"/>
+            <a:off x="0" y="1427161"/>
+            <a:ext cx="12192000" cy="2387599"/>
           </a:xfrm>
           <a:prstGeom prst="rect">
             <a:avLst/>
           </a:prstGeom>
           <a:solidFill>
-            <a:srgbClr val="3EB049"/>
+            <a:srgbClr val="20D68A"/>
           </a:solidFill>
           <a:ln>
             <a:noFill/>
@@ -4735,349 +4313,109 @@
           <a:bodyPr rtlCol="0" anchor="ctr"/>
           <a:lstStyle/>
           <a:p>
-            <a:r>
-              <a:rPr lang="en-US" altLang="ko-KR" sz="5400" dirty="0"/>
-              <a:t>  02. Anaconda Prompt </a:t>
-            </a:r>
-            <a:r>
-              <a:rPr lang="ko-KR" altLang="en-US" sz="5400" dirty="0"/>
-              <a:t>실행</a:t>
-            </a:r>
-          </a:p>
-        </p:txBody>
-      </p:sp>
-      <p:pic>
-        <p:nvPicPr>
-          <p:cNvPr id="4" name="그림 3">
-            <a:extLst>
-              <a:ext uri="{FF2B5EF4-FFF2-40B4-BE49-F238E27FC236}">
-                <a16:creationId xmlns:a16="http://schemas.microsoft.com/office/drawing/2014/main" id="{3F1C1AC4-9177-4BFC-9104-EEA229D897D9}"/>
-              </a:ext>
-            </a:extLst>
-          </p:cNvPr>
-          <p:cNvPicPr>
-            <a:picLocks noChangeAspect="1"/>
-          </p:cNvPicPr>
-          <p:nvPr/>
-        </p:nvPicPr>
-        <p:blipFill>
-          <a:blip r:embed="rId2"/>
-          <a:stretch>
-            <a:fillRect/>
-          </a:stretch>
-        </p:blipFill>
-        <p:spPr>
-          <a:xfrm>
-            <a:off x="0" y="0"/>
-            <a:ext cx="12192000" cy="6858000"/>
-          </a:xfrm>
-          <a:prstGeom prst="rect">
-            <a:avLst/>
-          </a:prstGeom>
-        </p:spPr>
-      </p:pic>
-      <p:sp>
-        <p:nvSpPr>
-          <p:cNvPr id="5" name="TextBox 4">
-            <a:extLst>
-              <a:ext uri="{FF2B5EF4-FFF2-40B4-BE49-F238E27FC236}">
-                <a16:creationId xmlns:a16="http://schemas.microsoft.com/office/drawing/2014/main" id="{3396B9F3-328F-40C4-8096-F9E1FEC10811}"/>
-              </a:ext>
-            </a:extLst>
-          </p:cNvPr>
-          <p:cNvSpPr txBox="1"/>
-          <p:nvPr/>
-        </p:nvSpPr>
-        <p:spPr>
-          <a:xfrm>
-            <a:off x="0" y="150829"/>
-            <a:ext cx="266420" cy="646331"/>
-          </a:xfrm>
-          <a:prstGeom prst="rect">
-            <a:avLst/>
-          </a:prstGeom>
-          <a:noFill/>
-        </p:spPr>
-        <p:txBody>
-          <a:bodyPr wrap="none" rtlCol="0">
-            <a:spAutoFit/>
-          </a:bodyPr>
-          <a:lstStyle/>
-          <a:p>
-            <a:endParaRPr lang="en-US" altLang="ko-KR" dirty="0">
-              <a:solidFill>
-                <a:schemeClr val="bg1"/>
-              </a:solidFill>
-            </a:endParaRPr>
-          </a:p>
-          <a:p>
+            <a:pPr algn="ctr"/>
+            <a:endParaRPr lang="ko-KR" altLang="en-US" dirty="0"/>
+          </a:p>
+        </p:txBody>
+      </p:sp>
+      <p:sp>
+        <p:nvSpPr>
+          <p:cNvPr id="2" name="제목 1">
+            <a:extLst>
+              <a:ext uri="{FF2B5EF4-FFF2-40B4-BE49-F238E27FC236}">
+                <a16:creationId xmlns:a16="http://schemas.microsoft.com/office/drawing/2014/main" id="{F60399CF-FDAD-42E2-980F-3F42B77345D2}"/>
+              </a:ext>
+            </a:extLst>
+          </p:cNvPr>
+          <p:cNvSpPr>
+            <a:spLocks noGrp="1"/>
+          </p:cNvSpPr>
+          <p:nvPr>
+            <p:ph type="ctrTitle"/>
+          </p:nvPr>
+        </p:nvSpPr>
+        <p:spPr/>
+        <p:txBody>
+          <a:bodyPr/>
+          <a:lstStyle/>
+          <a:p>
+            <a:pPr algn="r"/>
             <a:r>
               <a:rPr lang="en-US" altLang="ko-KR" dirty="0">
                 <a:solidFill>
                   <a:schemeClr val="bg1"/>
                 </a:solidFill>
               </a:rPr>
-              <a:t> </a:t>
-            </a:r>
-          </a:p>
-        </p:txBody>
-      </p:sp>
-      <p:sp>
-        <p:nvSpPr>
-          <p:cNvPr id="11" name="TextBox 10">
-            <a:extLst>
-              <a:ext uri="{FF2B5EF4-FFF2-40B4-BE49-F238E27FC236}">
-                <a16:creationId xmlns:a16="http://schemas.microsoft.com/office/drawing/2014/main" id="{9BDFF31C-86E9-4602-9617-BCD12053B949}"/>
-              </a:ext>
-            </a:extLst>
-          </p:cNvPr>
-          <p:cNvSpPr txBox="1"/>
-          <p:nvPr/>
-        </p:nvSpPr>
-        <p:spPr>
-          <a:xfrm>
-            <a:off x="6095998" y="680586"/>
-            <a:ext cx="5740923" cy="646331"/>
-          </a:xfrm>
-          <a:prstGeom prst="rect">
-            <a:avLst/>
-          </a:prstGeom>
-          <a:solidFill>
-            <a:schemeClr val="bg1">
-              <a:lumMod val="85000"/>
-            </a:schemeClr>
-          </a:solidFill>
-        </p:spPr>
-        <p:txBody>
-          <a:bodyPr wrap="square" rtlCol="0">
-            <a:spAutoFit/>
-          </a:bodyPr>
-          <a:lstStyle/>
-          <a:p>
-            <a:r>
-              <a:rPr lang="en-US" altLang="ko-KR" dirty="0" err="1"/>
-              <a:t>Ipython</a:t>
-            </a:r>
-            <a:r>
-              <a:rPr lang="en-US" altLang="ko-KR" dirty="0"/>
-              <a:t> </a:t>
-            </a:r>
-            <a:r>
-              <a:rPr lang="ko-KR" altLang="en-US" dirty="0"/>
-              <a:t>셸을 실행하여 </a:t>
-            </a:r>
-            <a:r>
-              <a:rPr lang="ko-KR" altLang="en-US" dirty="0" err="1"/>
-              <a:t>텐서플로와</a:t>
-            </a:r>
-            <a:r>
-              <a:rPr lang="ko-KR" altLang="en-US" dirty="0"/>
-              <a:t> </a:t>
-            </a:r>
-            <a:r>
-              <a:rPr lang="ko-KR" altLang="en-US" dirty="0" err="1"/>
-              <a:t>케라스가</a:t>
-            </a:r>
-            <a:r>
-              <a:rPr lang="ko-KR" altLang="en-US" dirty="0"/>
-              <a:t> 잘 </a:t>
-            </a:r>
-            <a:r>
-              <a:rPr lang="ko-KR" altLang="en-US" dirty="0" err="1"/>
-              <a:t>설치되어있는지</a:t>
-            </a:r>
-            <a:r>
-              <a:rPr lang="ko-KR" altLang="en-US" dirty="0"/>
-              <a:t> 확인할 수 있음</a:t>
-            </a:r>
-          </a:p>
-        </p:txBody>
-      </p:sp>
-      <p:sp>
-        <p:nvSpPr>
-          <p:cNvPr id="12" name="TextBox 11">
-            <a:extLst>
-              <a:ext uri="{FF2B5EF4-FFF2-40B4-BE49-F238E27FC236}">
-                <a16:creationId xmlns:a16="http://schemas.microsoft.com/office/drawing/2014/main" id="{9AD8BB1A-D5E3-4D61-8C73-EA907B114B0E}"/>
-              </a:ext>
-            </a:extLst>
-          </p:cNvPr>
-          <p:cNvSpPr txBox="1"/>
-          <p:nvPr/>
-        </p:nvSpPr>
-        <p:spPr>
-          <a:xfrm>
-            <a:off x="6095998" y="2677059"/>
-            <a:ext cx="5740923" cy="369332"/>
-          </a:xfrm>
-          <a:prstGeom prst="rect">
-            <a:avLst/>
-          </a:prstGeom>
-          <a:solidFill>
-            <a:schemeClr val="bg1">
-              <a:lumMod val="85000"/>
-            </a:schemeClr>
-          </a:solidFill>
-        </p:spPr>
-        <p:txBody>
-          <a:bodyPr wrap="square" rtlCol="0">
-            <a:spAutoFit/>
-          </a:bodyPr>
-          <a:lstStyle/>
-          <a:p>
-            <a:r>
-              <a:rPr lang="en-US" altLang="ko-KR" dirty="0" err="1"/>
-              <a:t>Ipython</a:t>
-            </a:r>
-            <a:r>
-              <a:rPr lang="en-US" altLang="ko-KR" dirty="0"/>
-              <a:t> </a:t>
-            </a:r>
-            <a:r>
-              <a:rPr lang="ko-KR" altLang="en-US" dirty="0"/>
-              <a:t>셸 </a:t>
-            </a:r>
-            <a:r>
-              <a:rPr lang="ko-KR" altLang="en-US" dirty="0" err="1"/>
-              <a:t>빠져나올때</a:t>
-            </a:r>
-            <a:r>
-              <a:rPr lang="ko-KR" altLang="en-US" dirty="0"/>
-              <a:t> </a:t>
-            </a:r>
-            <a:r>
-              <a:rPr lang="en-US" altLang="ko-KR" dirty="0"/>
-              <a:t>exit </a:t>
-            </a:r>
-            <a:r>
-              <a:rPr lang="ko-KR" altLang="en-US" dirty="0"/>
-              <a:t>명령을 입력한다</a:t>
-            </a:r>
-            <a:r>
-              <a:rPr lang="en-US" altLang="ko-KR" dirty="0"/>
-              <a:t>.</a:t>
-            </a:r>
-            <a:endParaRPr lang="ko-KR" altLang="en-US" dirty="0"/>
-          </a:p>
-        </p:txBody>
-      </p:sp>
-      <p:sp>
-        <p:nvSpPr>
-          <p:cNvPr id="13" name="TextBox 12">
-            <a:extLst>
-              <a:ext uri="{FF2B5EF4-FFF2-40B4-BE49-F238E27FC236}">
-                <a16:creationId xmlns:a16="http://schemas.microsoft.com/office/drawing/2014/main" id="{94B7B568-062D-4889-B3F8-16386E6CEC7D}"/>
-              </a:ext>
-            </a:extLst>
-          </p:cNvPr>
-          <p:cNvSpPr txBox="1"/>
-          <p:nvPr/>
-        </p:nvSpPr>
-        <p:spPr>
-          <a:xfrm>
-            <a:off x="0" y="150829"/>
-            <a:ext cx="4878964" cy="1200329"/>
-          </a:xfrm>
-          <a:prstGeom prst="rect">
-            <a:avLst/>
-          </a:prstGeom>
-          <a:noFill/>
-        </p:spPr>
-        <p:txBody>
-          <a:bodyPr wrap="none" rtlCol="0">
-            <a:spAutoFit/>
-          </a:bodyPr>
-          <a:lstStyle/>
-          <a:p>
-            <a:endParaRPr lang="en-US" altLang="ko-KR" dirty="0">
-              <a:solidFill>
-                <a:schemeClr val="bg1"/>
-              </a:solidFill>
-            </a:endParaRPr>
-          </a:p>
-          <a:p>
-            <a:endParaRPr lang="en-US" altLang="ko-KR" dirty="0">
-              <a:solidFill>
-                <a:schemeClr val="bg1"/>
-              </a:solidFill>
-            </a:endParaRPr>
-          </a:p>
-          <a:p>
-            <a:r>
+              <a:t>Deep Learning</a:t>
+            </a:r>
+            <a:br>
               <a:rPr lang="en-US" altLang="ko-KR" dirty="0">
                 <a:solidFill>
                   <a:schemeClr val="bg1"/>
                 </a:solidFill>
               </a:rPr>
-              <a:t>(</a:t>
-            </a:r>
-            <a:r>
-              <a:rPr lang="en-US" altLang="ko-KR" dirty="0" err="1">
-                <a:solidFill>
-                  <a:schemeClr val="bg1"/>
-                </a:solidFill>
-              </a:rPr>
-              <a:t>my_env</a:t>
-            </a:r>
+            </a:br>
             <a:r>
               <a:rPr lang="en-US" altLang="ko-KR" dirty="0">
                 <a:solidFill>
                   <a:schemeClr val="bg1"/>
                 </a:solidFill>
               </a:rPr>
-              <a:t>) C:\Users\alro9&gt;pip</a:t>
-            </a:r>
-            <a:r>
-              <a:rPr lang="ko-KR" altLang="en-US" dirty="0">
-                <a:solidFill>
-                  <a:schemeClr val="bg1"/>
-                </a:solidFill>
-              </a:rPr>
-              <a:t> </a:t>
-            </a:r>
-            <a:r>
-              <a:rPr lang="en-US" altLang="ko-KR" dirty="0">
-                <a:solidFill>
-                  <a:schemeClr val="bg1"/>
-                </a:solidFill>
-              </a:rPr>
-              <a:t>install</a:t>
-            </a:r>
-            <a:r>
-              <a:rPr lang="ko-KR" altLang="en-US" dirty="0">
-                <a:solidFill>
-                  <a:schemeClr val="bg1"/>
-                </a:solidFill>
-              </a:rPr>
-              <a:t> </a:t>
-            </a:r>
-            <a:r>
-              <a:rPr lang="en-US" altLang="ko-KR" dirty="0" err="1">
-                <a:solidFill>
-                  <a:schemeClr val="bg1"/>
-                </a:solidFill>
-              </a:rPr>
-              <a:t>ipython</a:t>
-            </a:r>
-            <a:endParaRPr lang="en-US" altLang="ko-KR" dirty="0">
+              <a:t>with python</a:t>
+            </a:r>
+            <a:endParaRPr lang="ko-KR" altLang="en-US" dirty="0">
               <a:solidFill>
                 <a:schemeClr val="bg1"/>
               </a:solidFill>
             </a:endParaRPr>
           </a:p>
-          <a:p>
-            <a:endParaRPr lang="en-US" altLang="ko-KR" dirty="0">
-              <a:solidFill>
-                <a:schemeClr val="bg1"/>
-              </a:solidFill>
-            </a:endParaRPr>
+        </p:txBody>
+      </p:sp>
+      <p:sp>
+        <p:nvSpPr>
+          <p:cNvPr id="3" name="부제목 2">
+            <a:extLst>
+              <a:ext uri="{FF2B5EF4-FFF2-40B4-BE49-F238E27FC236}">
+                <a16:creationId xmlns:a16="http://schemas.microsoft.com/office/drawing/2014/main" id="{80E762A9-1F73-4CBB-B496-B417885DB151}"/>
+              </a:ext>
+            </a:extLst>
+          </p:cNvPr>
+          <p:cNvSpPr>
+            <a:spLocks noGrp="1"/>
+          </p:cNvSpPr>
+          <p:nvPr>
+            <p:ph type="subTitle" idx="1"/>
+          </p:nvPr>
+        </p:nvSpPr>
+        <p:spPr/>
+        <p:txBody>
+          <a:bodyPr anchor="ctr"/>
+          <a:lstStyle/>
+          <a:p>
+            <a:pPr algn="l"/>
+            <a:r>
+              <a:rPr lang="en-US" altLang="ko-KR" dirty="0"/>
+              <a:t>02. Anaconda3 </a:t>
+            </a:r>
+            <a:r>
+              <a:rPr lang="ko-KR" altLang="en-US" dirty="0"/>
+              <a:t>와 </a:t>
+            </a:r>
+            <a:r>
+              <a:rPr lang="ko-KR" altLang="en-US" dirty="0" err="1"/>
+              <a:t>파이참</a:t>
+            </a:r>
+            <a:r>
+              <a:rPr lang="ko-KR" altLang="en-US" dirty="0"/>
+              <a:t> 연동하기</a:t>
+            </a:r>
           </a:p>
         </p:txBody>
       </p:sp>
     </p:spTree>
     <p:extLst>
       <p:ext uri="{BB962C8B-B14F-4D97-AF65-F5344CB8AC3E}">
-        <p14:creationId xmlns:p14="http://schemas.microsoft.com/office/powerpoint/2010/main" val="3405720616"/>
+        <p14:creationId xmlns:p14="http://schemas.microsoft.com/office/powerpoint/2010/main" val="2379904495"/>
       </p:ext>
     </p:extLst>
   </p:cSld>
@@ -5106,10 +4444,70 @@
       </p:grpSpPr>
       <p:sp>
         <p:nvSpPr>
-          <p:cNvPr id="6" name="직사각형 5">
-            <a:extLst>
-              <a:ext uri="{FF2B5EF4-FFF2-40B4-BE49-F238E27FC236}">
-                <a16:creationId xmlns:a16="http://schemas.microsoft.com/office/drawing/2014/main" id="{A0E3B263-155E-4B4B-BBB4-03F72CB7A0C2}"/>
+          <p:cNvPr id="2" name="제목 1">
+            <a:extLst>
+              <a:ext uri="{FF2B5EF4-FFF2-40B4-BE49-F238E27FC236}">
+                <a16:creationId xmlns:a16="http://schemas.microsoft.com/office/drawing/2014/main" id="{FC27A9BA-1BE2-46FB-B631-83998D28D48D}"/>
+              </a:ext>
+            </a:extLst>
+          </p:cNvPr>
+          <p:cNvSpPr>
+            <a:spLocks noGrp="1"/>
+          </p:cNvSpPr>
+          <p:nvPr>
+            <p:ph type="title"/>
+          </p:nvPr>
+        </p:nvSpPr>
+        <p:spPr/>
+        <p:txBody>
+          <a:bodyPr/>
+          <a:lstStyle/>
+          <a:p>
+            <a:endParaRPr lang="ko-KR" altLang="en-US"/>
+          </a:p>
+        </p:txBody>
+      </p:sp>
+      <p:pic>
+        <p:nvPicPr>
+          <p:cNvPr id="6" name="내용 개체 틀 5">
+            <a:extLst>
+              <a:ext uri="{FF2B5EF4-FFF2-40B4-BE49-F238E27FC236}">
+                <a16:creationId xmlns:a16="http://schemas.microsoft.com/office/drawing/2014/main" id="{3C28A346-E526-488F-AF7A-53237129C5DA}"/>
+              </a:ext>
+            </a:extLst>
+          </p:cNvPr>
+          <p:cNvPicPr>
+            <a:picLocks noGrp="1" noChangeAspect="1"/>
+          </p:cNvPicPr>
+          <p:nvPr>
+            <p:ph idx="1"/>
+          </p:nvPr>
+        </p:nvPicPr>
+        <p:blipFill>
+          <a:blip r:embed="rId2">
+            <a:extLst>
+              <a:ext uri="{28A0092B-C50C-407E-A947-70E740481C1C}">
+                <a14:useLocalDpi xmlns:a14="http://schemas.microsoft.com/office/drawing/2010/main" val="0"/>
+              </a:ext>
+            </a:extLst>
+          </a:blip>
+          <a:stretch>
+            <a:fillRect/>
+          </a:stretch>
+        </p:blipFill>
+        <p:spPr>
+          <a:xfrm>
+            <a:off x="838200" y="2385659"/>
+            <a:ext cx="3354250" cy="3354250"/>
+          </a:xfrm>
+        </p:spPr>
+      </p:pic>
+      <p:sp>
+        <p:nvSpPr>
+          <p:cNvPr id="7" name="직사각형 6">
+            <a:extLst>
+              <a:ext uri="{FF2B5EF4-FFF2-40B4-BE49-F238E27FC236}">
+                <a16:creationId xmlns:a16="http://schemas.microsoft.com/office/drawing/2014/main" id="{E87FDD33-8486-4FD4-9118-157689B95F9D}"/>
               </a:ext>
             </a:extLst>
           </p:cNvPr>
@@ -5118,8 +4516,8 @@
         </p:nvSpPr>
         <p:spPr>
           <a:xfrm>
-            <a:off x="0" y="1427161"/>
-            <a:ext cx="12192000" cy="2387599"/>
+            <a:off x="0" y="1"/>
+            <a:ext cx="12192000" cy="1690688"/>
           </a:xfrm>
           <a:prstGeom prst="rect">
             <a:avLst/>
@@ -5151,109 +4549,226 @@
           <a:bodyPr rtlCol="0" anchor="ctr"/>
           <a:lstStyle/>
           <a:p>
-            <a:pPr algn="ctr"/>
+            <a:r>
+              <a:rPr lang="en-US" altLang="ko-KR" sz="3600" dirty="0"/>
+              <a:t>	01. PyCharm</a:t>
+            </a:r>
+            <a:r>
+              <a:rPr lang="ko-KR" altLang="en-US" sz="3600" dirty="0"/>
+              <a:t>이란</a:t>
+            </a:r>
+            <a:r>
+              <a:rPr lang="en-US" altLang="ko-KR" sz="3600" dirty="0"/>
+              <a:t>?</a:t>
+            </a:r>
+            <a:endParaRPr lang="ko-KR" altLang="en-US" sz="3600" dirty="0"/>
+          </a:p>
+        </p:txBody>
+      </p:sp>
+      <p:sp>
+        <p:nvSpPr>
+          <p:cNvPr id="8" name="TextBox 7">
+            <a:extLst>
+              <a:ext uri="{FF2B5EF4-FFF2-40B4-BE49-F238E27FC236}">
+                <a16:creationId xmlns:a16="http://schemas.microsoft.com/office/drawing/2014/main" id="{646E2E71-313F-4339-8721-DFED8A74C78B}"/>
+              </a:ext>
+            </a:extLst>
+          </p:cNvPr>
+          <p:cNvSpPr txBox="1"/>
+          <p:nvPr/>
+        </p:nvSpPr>
+        <p:spPr>
+          <a:xfrm>
+            <a:off x="5374358" y="2216125"/>
+            <a:ext cx="5869620" cy="3693319"/>
+          </a:xfrm>
+          <a:prstGeom prst="rect">
+            <a:avLst/>
+          </a:prstGeom>
+          <a:noFill/>
+        </p:spPr>
+        <p:txBody>
+          <a:bodyPr wrap="none" rtlCol="0">
+            <a:spAutoFit/>
+          </a:bodyPr>
+          <a:lstStyle/>
+          <a:p>
+            <a:r>
+              <a:rPr lang="ko-KR" altLang="en-US" b="1" dirty="0" err="1"/>
+              <a:t>파이참</a:t>
+            </a:r>
+            <a:r>
+              <a:rPr lang="en-US" altLang="ko-KR" b="1" dirty="0"/>
+              <a:t>(PyCharm)</a:t>
+            </a:r>
             <a:endParaRPr lang="ko-KR" altLang="en-US" dirty="0"/>
           </a:p>
-        </p:txBody>
-      </p:sp>
-      <p:sp>
-        <p:nvSpPr>
-          <p:cNvPr id="2" name="제목 1">
-            <a:extLst>
-              <a:ext uri="{FF2B5EF4-FFF2-40B4-BE49-F238E27FC236}">
-                <a16:creationId xmlns:a16="http://schemas.microsoft.com/office/drawing/2014/main" id="{F60399CF-FDAD-42E2-980F-3F42B77345D2}"/>
-              </a:ext>
-            </a:extLst>
-          </p:cNvPr>
-          <p:cNvSpPr>
-            <a:spLocks noGrp="1"/>
-          </p:cNvSpPr>
-          <p:nvPr>
-            <p:ph type="ctrTitle"/>
-          </p:nvPr>
-        </p:nvSpPr>
-        <p:spPr/>
-        <p:txBody>
-          <a:bodyPr/>
-          <a:lstStyle/>
-          <a:p>
-            <a:pPr algn="r"/>
+          <a:p>
+            <a:r>
+              <a:rPr lang="en-US" altLang="ko-KR" dirty="0"/>
+              <a:t>- </a:t>
+            </a:r>
+            <a:r>
+              <a:rPr lang="ko-KR" altLang="en-US" dirty="0"/>
+              <a:t>파이썬 개발에 가장 널리 사용되는 통합 개발 환경</a:t>
+            </a:r>
+            <a:br>
+              <a:rPr lang="en-US" altLang="ko-KR" dirty="0"/>
+            </a:br>
+            <a:r>
+              <a:rPr lang="en-US" altLang="ko-KR" dirty="0"/>
+              <a:t>(IDE, Integrated Development Environment)</a:t>
+            </a:r>
+          </a:p>
+          <a:p>
+            <a:endParaRPr lang="en-US" altLang="ko-KR" dirty="0"/>
+          </a:p>
+          <a:p>
+            <a:r>
+              <a:rPr lang="en-US" altLang="ko-KR" dirty="0"/>
+              <a:t> </a:t>
+            </a:r>
+          </a:p>
+          <a:p>
+            <a:r>
+              <a:rPr lang="en-US" altLang="ko-KR" b="1" dirty="0"/>
+              <a:t>PyCharm </a:t>
+            </a:r>
+            <a:r>
+              <a:rPr lang="ko-KR" altLang="en-US" b="1" dirty="0"/>
+              <a:t>특징</a:t>
+            </a:r>
+            <a:endParaRPr lang="ko-KR" altLang="en-US" dirty="0"/>
+          </a:p>
+          <a:p>
+            <a:r>
+              <a:rPr lang="en-US" altLang="ko-KR" dirty="0"/>
+              <a:t>- </a:t>
+            </a:r>
+            <a:r>
+              <a:rPr lang="ko-KR" altLang="en-US" dirty="0"/>
+              <a:t>프로젝트별로 </a:t>
+            </a:r>
+            <a:r>
+              <a:rPr lang="en-US" altLang="ko-KR" dirty="0"/>
+              <a:t>Python </a:t>
+            </a:r>
+            <a:r>
+              <a:rPr lang="ko-KR" altLang="en-US" dirty="0"/>
+              <a:t>버전 및 환경을 선택할 수 있다</a:t>
+            </a:r>
+            <a:r>
+              <a:rPr lang="en-US" altLang="ko-KR" dirty="0"/>
+              <a:t>.</a:t>
+            </a:r>
+          </a:p>
+          <a:p>
+            <a:r>
+              <a:rPr lang="en-US" altLang="ko-KR" dirty="0"/>
+              <a:t>- </a:t>
+            </a:r>
+            <a:r>
+              <a:rPr lang="ko-KR" altLang="en-US" dirty="0"/>
+              <a:t>코드의 실행 결과를 바로 확인할 수 있다</a:t>
+            </a:r>
+            <a:r>
+              <a:rPr lang="en-US" altLang="ko-KR" dirty="0"/>
+              <a:t>.</a:t>
+            </a:r>
+          </a:p>
+          <a:p>
+            <a:r>
+              <a:rPr lang="en-US" altLang="ko-KR" dirty="0"/>
+              <a:t>- </a:t>
+            </a:r>
+            <a:r>
+              <a:rPr lang="ko-KR" altLang="en-US" dirty="0"/>
+              <a:t>직관적인 </a:t>
+            </a:r>
+            <a:r>
+              <a:rPr lang="en-US" altLang="ko-KR" dirty="0"/>
+              <a:t>UI</a:t>
+            </a:r>
+            <a:r>
+              <a:rPr lang="ko-KR" altLang="en-US" dirty="0"/>
+              <a:t>를 제공하며 </a:t>
+            </a:r>
+            <a:r>
+              <a:rPr lang="en-US" altLang="ko-KR" dirty="0"/>
+              <a:t>OS</a:t>
+            </a:r>
+            <a:r>
+              <a:rPr lang="ko-KR" altLang="en-US" dirty="0"/>
+              <a:t>와 무관하게 사용 가능</a:t>
+            </a:r>
+          </a:p>
+          <a:p>
+            <a:endParaRPr lang="en-US" altLang="ko-KR" dirty="0"/>
+          </a:p>
+          <a:p>
+            <a:endParaRPr lang="en-US" altLang="ko-KR" dirty="0"/>
+          </a:p>
+          <a:p>
+            <a:r>
+              <a:rPr lang="en-US" altLang="ko-KR" dirty="0"/>
+              <a:t>* Community </a:t>
+            </a:r>
+            <a:r>
+              <a:rPr lang="ko-KR" altLang="en-US" dirty="0"/>
+              <a:t>버전은 무료로 사용할 수 있다</a:t>
+            </a:r>
+            <a:r>
+              <a:rPr lang="en-US" altLang="ko-KR" dirty="0"/>
+              <a:t>.</a:t>
+            </a:r>
+          </a:p>
+          <a:p>
+            <a:endParaRPr lang="ko-KR" altLang="en-US" dirty="0"/>
+          </a:p>
+        </p:txBody>
+      </p:sp>
+      <p:sp>
+        <p:nvSpPr>
+          <p:cNvPr id="9" name="TextBox 8">
+            <a:extLst>
+              <a:ext uri="{FF2B5EF4-FFF2-40B4-BE49-F238E27FC236}">
+                <a16:creationId xmlns:a16="http://schemas.microsoft.com/office/drawing/2014/main" id="{804BFAAA-9DA1-43D7-A7AA-C3C44F5DE46E}"/>
+              </a:ext>
+            </a:extLst>
+          </p:cNvPr>
+          <p:cNvSpPr txBox="1"/>
+          <p:nvPr/>
+        </p:nvSpPr>
+        <p:spPr>
+          <a:xfrm>
+            <a:off x="5374358" y="5909444"/>
+            <a:ext cx="5090176" cy="369332"/>
+          </a:xfrm>
+          <a:prstGeom prst="rect">
+            <a:avLst/>
+          </a:prstGeom>
+          <a:noFill/>
+        </p:spPr>
+        <p:txBody>
+          <a:bodyPr wrap="none" rtlCol="0">
+            <a:spAutoFit/>
+          </a:bodyPr>
+          <a:lstStyle/>
+          <a:p>
             <a:r>
               <a:rPr lang="en-US" altLang="ko-KR" dirty="0">
-                <a:solidFill>
-                  <a:schemeClr val="bg1"/>
-                </a:solidFill>
+                <a:hlinkClick r:id="rId3"/>
               </a:rPr>
-              <a:t>Deep Learning</a:t>
-            </a:r>
-            <a:br>
-              <a:rPr lang="en-US" altLang="ko-KR" dirty="0">
-                <a:solidFill>
-                  <a:schemeClr val="bg1"/>
-                </a:solidFill>
-              </a:rPr>
-            </a:br>
-            <a:r>
-              <a:rPr lang="en-US" altLang="ko-KR" dirty="0">
-                <a:solidFill>
-                  <a:schemeClr val="bg1"/>
-                </a:solidFill>
-              </a:rPr>
-              <a:t>with python</a:t>
-            </a:r>
-            <a:endParaRPr lang="ko-KR" altLang="en-US" dirty="0">
-              <a:solidFill>
-                <a:schemeClr val="bg1"/>
-              </a:solidFill>
-            </a:endParaRPr>
-          </a:p>
-        </p:txBody>
-      </p:sp>
-      <p:sp>
-        <p:nvSpPr>
-          <p:cNvPr id="3" name="부제목 2">
-            <a:extLst>
-              <a:ext uri="{FF2B5EF4-FFF2-40B4-BE49-F238E27FC236}">
-                <a16:creationId xmlns:a16="http://schemas.microsoft.com/office/drawing/2014/main" id="{80E762A9-1F73-4CBB-B496-B417885DB151}"/>
-              </a:ext>
-            </a:extLst>
-          </p:cNvPr>
-          <p:cNvSpPr>
-            <a:spLocks noGrp="1"/>
-          </p:cNvSpPr>
-          <p:nvPr>
-            <p:ph type="subTitle" idx="1"/>
-          </p:nvPr>
-        </p:nvSpPr>
-        <p:spPr/>
-        <p:txBody>
-          <a:bodyPr anchor="ctr"/>
-          <a:lstStyle/>
-          <a:p>
-            <a:pPr algn="l"/>
-            <a:r>
-              <a:rPr lang="en-US" altLang="ko-KR" dirty="0"/>
-              <a:t>02. Anaconda3 </a:t>
-            </a:r>
-            <a:r>
-              <a:rPr lang="ko-KR" altLang="en-US" dirty="0"/>
-              <a:t>와 </a:t>
-            </a:r>
-            <a:r>
-              <a:rPr lang="ko-KR" altLang="en-US" dirty="0" err="1"/>
-              <a:t>파이참</a:t>
-            </a:r>
-            <a:r>
-              <a:rPr lang="ko-KR" altLang="en-US" dirty="0"/>
-              <a:t> 연동하기</a:t>
-            </a:r>
+              <a:t>https://www.jetbrains.com/pycharm/download/</a:t>
+            </a:r>
+            <a:endParaRPr lang="ko-KR" altLang="en-US" dirty="0"/>
           </a:p>
         </p:txBody>
       </p:sp>
     </p:spTree>
     <p:extLst>
       <p:ext uri="{BB962C8B-B14F-4D97-AF65-F5344CB8AC3E}">
-        <p14:creationId xmlns:p14="http://schemas.microsoft.com/office/powerpoint/2010/main" val="2379904495"/>
+        <p14:creationId xmlns:p14="http://schemas.microsoft.com/office/powerpoint/2010/main" val="2734667164"/>
       </p:ext>
     </p:extLst>
   </p:cSld>
@@ -5282,66 +4797,6 @@
       </p:grpSpPr>
       <p:sp>
         <p:nvSpPr>
-          <p:cNvPr id="2" name="제목 1">
-            <a:extLst>
-              <a:ext uri="{FF2B5EF4-FFF2-40B4-BE49-F238E27FC236}">
-                <a16:creationId xmlns:a16="http://schemas.microsoft.com/office/drawing/2014/main" id="{FC27A9BA-1BE2-46FB-B631-83998D28D48D}"/>
-              </a:ext>
-            </a:extLst>
-          </p:cNvPr>
-          <p:cNvSpPr>
-            <a:spLocks noGrp="1"/>
-          </p:cNvSpPr>
-          <p:nvPr>
-            <p:ph type="title"/>
-          </p:nvPr>
-        </p:nvSpPr>
-        <p:spPr/>
-        <p:txBody>
-          <a:bodyPr/>
-          <a:lstStyle/>
-          <a:p>
-            <a:endParaRPr lang="ko-KR" altLang="en-US"/>
-          </a:p>
-        </p:txBody>
-      </p:sp>
-      <p:pic>
-        <p:nvPicPr>
-          <p:cNvPr id="6" name="내용 개체 틀 5">
-            <a:extLst>
-              <a:ext uri="{FF2B5EF4-FFF2-40B4-BE49-F238E27FC236}">
-                <a16:creationId xmlns:a16="http://schemas.microsoft.com/office/drawing/2014/main" id="{3C28A346-E526-488F-AF7A-53237129C5DA}"/>
-              </a:ext>
-            </a:extLst>
-          </p:cNvPr>
-          <p:cNvPicPr>
-            <a:picLocks noGrp="1" noChangeAspect="1"/>
-          </p:cNvPicPr>
-          <p:nvPr>
-            <p:ph idx="1"/>
-          </p:nvPr>
-        </p:nvPicPr>
-        <p:blipFill>
-          <a:blip r:embed="rId2">
-            <a:extLst>
-              <a:ext uri="{28A0092B-C50C-407E-A947-70E740481C1C}">
-                <a14:useLocalDpi xmlns:a14="http://schemas.microsoft.com/office/drawing/2010/main" val="0"/>
-              </a:ext>
-            </a:extLst>
-          </a:blip>
-          <a:stretch>
-            <a:fillRect/>
-          </a:stretch>
-        </p:blipFill>
-        <p:spPr>
-          <a:xfrm>
-            <a:off x="838200" y="2385659"/>
-            <a:ext cx="3354250" cy="3354250"/>
-          </a:xfrm>
-        </p:spPr>
-      </p:pic>
-      <p:sp>
-        <p:nvSpPr>
           <p:cNvPr id="7" name="직사각형 6">
             <a:extLst>
               <a:ext uri="{FF2B5EF4-FFF2-40B4-BE49-F238E27FC236}">
@@ -5389,188 +4844,107 @@
           <a:p>
             <a:r>
               <a:rPr lang="en-US" altLang="ko-KR" sz="3600" dirty="0"/>
-              <a:t>	01. PyCharm</a:t>
+              <a:t>	01. PyCharm </a:t>
             </a:r>
             <a:r>
               <a:rPr lang="ko-KR" altLang="en-US" sz="3600" dirty="0"/>
-              <a:t>이란</a:t>
-            </a:r>
-            <a:r>
-              <a:rPr lang="en-US" altLang="ko-KR" sz="3600" dirty="0"/>
-              <a:t>?</a:t>
-            </a:r>
-            <a:endParaRPr lang="ko-KR" altLang="en-US" sz="3600" dirty="0"/>
-          </a:p>
-        </p:txBody>
-      </p:sp>
-      <p:sp>
-        <p:nvSpPr>
-          <p:cNvPr id="8" name="TextBox 7">
-            <a:extLst>
-              <a:ext uri="{FF2B5EF4-FFF2-40B4-BE49-F238E27FC236}">
-                <a16:creationId xmlns:a16="http://schemas.microsoft.com/office/drawing/2014/main" id="{646E2E71-313F-4339-8721-DFED8A74C78B}"/>
-              </a:ext>
-            </a:extLst>
-          </p:cNvPr>
-          <p:cNvSpPr txBox="1"/>
+              <a:t>설치</a:t>
+            </a:r>
+          </a:p>
+        </p:txBody>
+      </p:sp>
+      <p:pic>
+        <p:nvPicPr>
+          <p:cNvPr id="5" name="그림 4">
+            <a:extLst>
+              <a:ext uri="{FF2B5EF4-FFF2-40B4-BE49-F238E27FC236}">
+                <a16:creationId xmlns:a16="http://schemas.microsoft.com/office/drawing/2014/main" id="{DF19D805-66DB-4963-A7A8-2888D54BE229}"/>
+              </a:ext>
+            </a:extLst>
+          </p:cNvPr>
+          <p:cNvPicPr>
+            <a:picLocks noChangeAspect="1"/>
+          </p:cNvPicPr>
           <p:nvPr/>
-        </p:nvSpPr>
-        <p:spPr>
-          <a:xfrm>
-            <a:off x="5374358" y="2216125"/>
-            <a:ext cx="5869620" cy="3693319"/>
+        </p:nvPicPr>
+        <p:blipFill rotWithShape="1">
+          <a:blip r:embed="rId2"/>
+          <a:srcRect l="1864" t="11015" r="2838" b="29275"/>
+          <a:stretch/>
+        </p:blipFill>
+        <p:spPr>
+          <a:xfrm>
+            <a:off x="514386" y="2055812"/>
+            <a:ext cx="7792279" cy="4094922"/>
+          </a:xfrm>
+          <a:prstGeom prst="rect">
+            <a:avLst/>
+          </a:prstGeom>
+          <a:ln w="12700">
+            <a:solidFill>
+              <a:schemeClr val="tx1"/>
+            </a:solidFill>
+          </a:ln>
+        </p:spPr>
+      </p:pic>
+      <p:sp>
+        <p:nvSpPr>
+          <p:cNvPr id="10" name="직사각형 9">
+            <a:extLst>
+              <a:ext uri="{FF2B5EF4-FFF2-40B4-BE49-F238E27FC236}">
+                <a16:creationId xmlns:a16="http://schemas.microsoft.com/office/drawing/2014/main" id="{6334943A-380B-4BB7-B237-AE896B7A22D3}"/>
+              </a:ext>
+            </a:extLst>
+          </p:cNvPr>
+          <p:cNvSpPr/>
+          <p:nvPr/>
+        </p:nvSpPr>
+        <p:spPr>
+          <a:xfrm>
+            <a:off x="4740813" y="5176912"/>
+            <a:ext cx="928468" cy="408640"/>
           </a:xfrm>
           <a:prstGeom prst="rect">
             <a:avLst/>
           </a:prstGeom>
           <a:noFill/>
-        </p:spPr>
-        <p:txBody>
-          <a:bodyPr wrap="none" rtlCol="0">
-            <a:spAutoFit/>
-          </a:bodyPr>
-          <a:lstStyle/>
-          <a:p>
-            <a:r>
-              <a:rPr lang="ko-KR" altLang="en-US" b="1" dirty="0" err="1"/>
-              <a:t>파이참</a:t>
-            </a:r>
-            <a:r>
-              <a:rPr lang="en-US" altLang="ko-KR" b="1" dirty="0"/>
-              <a:t>(PyCharm)</a:t>
-            </a:r>
-            <a:endParaRPr lang="ko-KR" altLang="en-US" dirty="0"/>
-          </a:p>
-          <a:p>
-            <a:r>
-              <a:rPr lang="en-US" altLang="ko-KR" dirty="0"/>
-              <a:t>- </a:t>
-            </a:r>
-            <a:r>
-              <a:rPr lang="ko-KR" altLang="en-US" dirty="0"/>
-              <a:t>파이썬 개발에 가장 널리 사용되는 통합 개발 환경</a:t>
-            </a:r>
-            <a:br>
-              <a:rPr lang="en-US" altLang="ko-KR" dirty="0"/>
-            </a:br>
-            <a:r>
-              <a:rPr lang="en-US" altLang="ko-KR" dirty="0"/>
-              <a:t>(IDE, Integrated Development Environment)</a:t>
-            </a:r>
-          </a:p>
-          <a:p>
-            <a:endParaRPr lang="en-US" altLang="ko-KR" dirty="0"/>
-          </a:p>
-          <a:p>
-            <a:r>
-              <a:rPr lang="en-US" altLang="ko-KR" dirty="0"/>
-              <a:t> </a:t>
-            </a:r>
-          </a:p>
-          <a:p>
-            <a:r>
-              <a:rPr lang="en-US" altLang="ko-KR" b="1" dirty="0"/>
-              <a:t>PyCharm </a:t>
-            </a:r>
-            <a:r>
-              <a:rPr lang="ko-KR" altLang="en-US" b="1" dirty="0"/>
-              <a:t>특징</a:t>
-            </a:r>
-            <a:endParaRPr lang="ko-KR" altLang="en-US" dirty="0"/>
-          </a:p>
-          <a:p>
-            <a:r>
-              <a:rPr lang="en-US" altLang="ko-KR" dirty="0"/>
-              <a:t>- </a:t>
-            </a:r>
-            <a:r>
-              <a:rPr lang="ko-KR" altLang="en-US" dirty="0"/>
-              <a:t>프로젝트별로 </a:t>
-            </a:r>
-            <a:r>
-              <a:rPr lang="en-US" altLang="ko-KR" dirty="0"/>
-              <a:t>Python </a:t>
-            </a:r>
-            <a:r>
-              <a:rPr lang="ko-KR" altLang="en-US" dirty="0"/>
-              <a:t>버전 및 환경을 선택할 수 있다</a:t>
-            </a:r>
-            <a:r>
-              <a:rPr lang="en-US" altLang="ko-KR" dirty="0"/>
-              <a:t>.</a:t>
-            </a:r>
-          </a:p>
-          <a:p>
-            <a:r>
-              <a:rPr lang="en-US" altLang="ko-KR" dirty="0"/>
-              <a:t>- </a:t>
-            </a:r>
-            <a:r>
-              <a:rPr lang="ko-KR" altLang="en-US" dirty="0"/>
-              <a:t>코드의 실행 결과를 바로 확인할 수 있다</a:t>
-            </a:r>
-            <a:r>
-              <a:rPr lang="en-US" altLang="ko-KR" dirty="0"/>
-              <a:t>.</a:t>
-            </a:r>
-          </a:p>
-          <a:p>
-            <a:r>
-              <a:rPr lang="en-US" altLang="ko-KR" dirty="0"/>
-              <a:t>- </a:t>
-            </a:r>
-            <a:r>
-              <a:rPr lang="ko-KR" altLang="en-US" dirty="0"/>
-              <a:t>직관적인 </a:t>
-            </a:r>
-            <a:r>
-              <a:rPr lang="en-US" altLang="ko-KR" dirty="0"/>
-              <a:t>UI</a:t>
-            </a:r>
-            <a:r>
-              <a:rPr lang="ko-KR" altLang="en-US" dirty="0"/>
-              <a:t>를 제공하며 </a:t>
-            </a:r>
-            <a:r>
-              <a:rPr lang="en-US" altLang="ko-KR" dirty="0"/>
-              <a:t>OS</a:t>
-            </a:r>
-            <a:r>
-              <a:rPr lang="ko-KR" altLang="en-US" dirty="0"/>
-              <a:t>와 무관하게 사용 가능</a:t>
-            </a:r>
-          </a:p>
-          <a:p>
-            <a:endParaRPr lang="en-US" altLang="ko-KR" dirty="0"/>
-          </a:p>
-          <a:p>
-            <a:endParaRPr lang="en-US" altLang="ko-KR" dirty="0"/>
-          </a:p>
-          <a:p>
-            <a:r>
-              <a:rPr lang="en-US" altLang="ko-KR" dirty="0"/>
-              <a:t>* Community </a:t>
-            </a:r>
-            <a:r>
-              <a:rPr lang="ko-KR" altLang="en-US" dirty="0"/>
-              <a:t>버전은 무료로 사용할 수 있다</a:t>
-            </a:r>
-            <a:r>
-              <a:rPr lang="en-US" altLang="ko-KR" dirty="0"/>
-              <a:t>.</a:t>
-            </a:r>
-          </a:p>
-          <a:p>
-            <a:endParaRPr lang="ko-KR" altLang="en-US" dirty="0"/>
-          </a:p>
-        </p:txBody>
-      </p:sp>
-      <p:sp>
-        <p:nvSpPr>
-          <p:cNvPr id="9" name="TextBox 8">
-            <a:extLst>
-              <a:ext uri="{FF2B5EF4-FFF2-40B4-BE49-F238E27FC236}">
-                <a16:creationId xmlns:a16="http://schemas.microsoft.com/office/drawing/2014/main" id="{804BFAAA-9DA1-43D7-A7AA-C3C44F5DE46E}"/>
+          <a:ln w="19050">
+            <a:solidFill>
+              <a:srgbClr val="FF0000"/>
+            </a:solidFill>
+          </a:ln>
+        </p:spPr>
+        <p:style>
+          <a:lnRef idx="2">
+            <a:schemeClr val="accent1">
+              <a:shade val="50000"/>
+            </a:schemeClr>
+          </a:lnRef>
+          <a:fillRef idx="1">
+            <a:schemeClr val="accent1"/>
+          </a:fillRef>
+          <a:effectRef idx="0">
+            <a:schemeClr val="accent1"/>
+          </a:effectRef>
+          <a:fontRef idx="minor">
+            <a:schemeClr val="lt1"/>
+          </a:fontRef>
+        </p:style>
+        <p:txBody>
+          <a:bodyPr rtlCol="0" anchor="ctr"/>
+          <a:lstStyle/>
+          <a:p>
+            <a:pPr algn="ctr"/>
+            <a:endParaRPr lang="ko-KR" altLang="en-US"/>
+          </a:p>
+        </p:txBody>
+      </p:sp>
+      <p:sp>
+        <p:nvSpPr>
+          <p:cNvPr id="11" name="TextBox 10">
+            <a:extLst>
+              <a:ext uri="{FF2B5EF4-FFF2-40B4-BE49-F238E27FC236}">
+                <a16:creationId xmlns:a16="http://schemas.microsoft.com/office/drawing/2014/main" id="{7D02E6AE-33A8-4359-8031-8A75198F3CDB}"/>
               </a:ext>
             </a:extLst>
           </p:cNvPr>
@@ -5579,8 +4953,8 @@
         </p:nvSpPr>
         <p:spPr>
           <a:xfrm>
-            <a:off x="5374358" y="5909444"/>
-            <a:ext cx="5090176" cy="369332"/>
+            <a:off x="9287219" y="3780107"/>
+            <a:ext cx="2045753" cy="646331"/>
           </a:xfrm>
           <a:prstGeom prst="rect">
             <a:avLst/>
@@ -5594,19 +4968,27 @@
           <a:lstStyle/>
           <a:p>
             <a:r>
-              <a:rPr lang="en-US" altLang="ko-KR" dirty="0">
-                <a:hlinkClick r:id="rId3"/>
-              </a:rPr>
-              <a:t>https://www.jetbrains.com/pycharm/download/</a:t>
-            </a:r>
-            <a:endParaRPr lang="ko-KR" altLang="en-US" dirty="0"/>
+              <a:rPr lang="ko-KR" altLang="en-US" dirty="0"/>
+              <a:t>다운로드 완료 후 </a:t>
+            </a:r>
+            <a:endParaRPr lang="en-US" altLang="ko-KR" dirty="0"/>
+          </a:p>
+          <a:p>
+            <a:r>
+              <a:rPr lang="en-US" altLang="ko-KR" dirty="0"/>
+              <a:t>.exe </a:t>
+            </a:r>
+            <a:r>
+              <a:rPr lang="ko-KR" altLang="en-US" dirty="0"/>
+              <a:t>파일 실행</a:t>
+            </a:r>
           </a:p>
         </p:txBody>
       </p:sp>
     </p:spTree>
     <p:extLst>
       <p:ext uri="{BB962C8B-B14F-4D97-AF65-F5344CB8AC3E}">
-        <p14:creationId xmlns:p14="http://schemas.microsoft.com/office/powerpoint/2010/main" val="2734667164"/>
+        <p14:creationId xmlns:p14="http://schemas.microsoft.com/office/powerpoint/2010/main" val="843123482"/>
       </p:ext>
     </p:extLst>
   </p:cSld>
@@ -5693,10 +5075,10 @@
       </p:sp>
       <p:pic>
         <p:nvPicPr>
-          <p:cNvPr id="5" name="그림 4">
-            <a:extLst>
-              <a:ext uri="{FF2B5EF4-FFF2-40B4-BE49-F238E27FC236}">
-                <a16:creationId xmlns:a16="http://schemas.microsoft.com/office/drawing/2014/main" id="{DF19D805-66DB-4963-A7A8-2888D54BE229}"/>
+          <p:cNvPr id="2" name="그림 1">
+            <a:extLst>
+              <a:ext uri="{FF2B5EF4-FFF2-40B4-BE49-F238E27FC236}">
+                <a16:creationId xmlns:a16="http://schemas.microsoft.com/office/drawing/2014/main" id="{19998D22-0530-491B-84A3-1E08E6BCB1C3}"/>
               </a:ext>
             </a:extLst>
           </p:cNvPr>
@@ -5705,128 +5087,56 @@
           </p:cNvPicPr>
           <p:nvPr/>
         </p:nvPicPr>
-        <p:blipFill rotWithShape="1">
+        <p:blipFill>
           <a:blip r:embed="rId2"/>
-          <a:srcRect l="1864" t="11015" r="2838" b="29275"/>
-          <a:stretch/>
+          <a:stretch>
+            <a:fillRect/>
+          </a:stretch>
         </p:blipFill>
         <p:spPr>
           <a:xfrm>
-            <a:off x="514386" y="2055812"/>
-            <a:ext cx="7792279" cy="4094922"/>
+            <a:off x="1343025" y="2205264"/>
+            <a:ext cx="4752975" cy="3695700"/>
           </a:xfrm>
           <a:prstGeom prst="rect">
             <a:avLst/>
           </a:prstGeom>
-          <a:ln w="12700">
-            <a:solidFill>
-              <a:schemeClr val="tx1"/>
-            </a:solidFill>
-          </a:ln>
         </p:spPr>
       </p:pic>
-      <p:sp>
-        <p:nvSpPr>
-          <p:cNvPr id="10" name="직사각형 9">
-            <a:extLst>
-              <a:ext uri="{FF2B5EF4-FFF2-40B4-BE49-F238E27FC236}">
-                <a16:creationId xmlns:a16="http://schemas.microsoft.com/office/drawing/2014/main" id="{6334943A-380B-4BB7-B237-AE896B7A22D3}"/>
-              </a:ext>
-            </a:extLst>
-          </p:cNvPr>
-          <p:cNvSpPr/>
+      <p:pic>
+        <p:nvPicPr>
+          <p:cNvPr id="3" name="그림 2">
+            <a:extLst>
+              <a:ext uri="{FF2B5EF4-FFF2-40B4-BE49-F238E27FC236}">
+                <a16:creationId xmlns:a16="http://schemas.microsoft.com/office/drawing/2014/main" id="{165AD71D-542A-428B-BE0B-19DCBDA921A4}"/>
+              </a:ext>
+            </a:extLst>
+          </p:cNvPr>
+          <p:cNvPicPr>
+            <a:picLocks noChangeAspect="1"/>
+          </p:cNvPicPr>
           <p:nvPr/>
-        </p:nvSpPr>
-        <p:spPr>
-          <a:xfrm>
-            <a:off x="4740813" y="5176912"/>
-            <a:ext cx="928468" cy="408640"/>
+        </p:nvPicPr>
+        <p:blipFill>
+          <a:blip r:embed="rId3"/>
+          <a:stretch>
+            <a:fillRect/>
+          </a:stretch>
+        </p:blipFill>
+        <p:spPr>
+          <a:xfrm>
+            <a:off x="6096000" y="2205264"/>
+            <a:ext cx="4752975" cy="3695700"/>
           </a:xfrm>
           <a:prstGeom prst="rect">
             <a:avLst/>
           </a:prstGeom>
-          <a:noFill/>
-          <a:ln w="19050">
-            <a:solidFill>
-              <a:srgbClr val="FF0000"/>
-            </a:solidFill>
-          </a:ln>
-        </p:spPr>
-        <p:style>
-          <a:lnRef idx="2">
-            <a:schemeClr val="accent1">
-              <a:shade val="50000"/>
-            </a:schemeClr>
-          </a:lnRef>
-          <a:fillRef idx="1">
-            <a:schemeClr val="accent1"/>
-          </a:fillRef>
-          <a:effectRef idx="0">
-            <a:schemeClr val="accent1"/>
-          </a:effectRef>
-          <a:fontRef idx="minor">
-            <a:schemeClr val="lt1"/>
-          </a:fontRef>
-        </p:style>
-        <p:txBody>
-          <a:bodyPr rtlCol="0" anchor="ctr"/>
-          <a:lstStyle/>
-          <a:p>
-            <a:pPr algn="ctr"/>
-            <a:endParaRPr lang="ko-KR" altLang="en-US"/>
-          </a:p>
-        </p:txBody>
-      </p:sp>
-      <p:sp>
-        <p:nvSpPr>
-          <p:cNvPr id="11" name="TextBox 10">
-            <a:extLst>
-              <a:ext uri="{FF2B5EF4-FFF2-40B4-BE49-F238E27FC236}">
-                <a16:creationId xmlns:a16="http://schemas.microsoft.com/office/drawing/2014/main" id="{7D02E6AE-33A8-4359-8031-8A75198F3CDB}"/>
-              </a:ext>
-            </a:extLst>
-          </p:cNvPr>
-          <p:cNvSpPr txBox="1"/>
-          <p:nvPr/>
-        </p:nvSpPr>
-        <p:spPr>
-          <a:xfrm>
-            <a:off x="9287219" y="3780107"/>
-            <a:ext cx="2045753" cy="646331"/>
-          </a:xfrm>
-          <a:prstGeom prst="rect">
-            <a:avLst/>
-          </a:prstGeom>
-          <a:noFill/>
-        </p:spPr>
-        <p:txBody>
-          <a:bodyPr wrap="none" rtlCol="0">
-            <a:spAutoFit/>
-          </a:bodyPr>
-          <a:lstStyle/>
-          <a:p>
-            <a:r>
-              <a:rPr lang="ko-KR" altLang="en-US" dirty="0"/>
-              <a:t>다운로드 완료 후 </a:t>
-            </a:r>
-            <a:endParaRPr lang="en-US" altLang="ko-KR" dirty="0"/>
-          </a:p>
-          <a:p>
-            <a:r>
-              <a:rPr lang="en-US" altLang="ko-KR" dirty="0"/>
-              <a:t>.exe </a:t>
-            </a:r>
-            <a:r>
-              <a:rPr lang="ko-KR" altLang="en-US" dirty="0"/>
-              <a:t>파일 실행</a:t>
-            </a:r>
-          </a:p>
-        </p:txBody>
-      </p:sp>
+        </p:spPr>
+      </p:pic>
     </p:spTree>
     <p:extLst>
       <p:ext uri="{BB962C8B-B14F-4D97-AF65-F5344CB8AC3E}">
-        <p14:creationId xmlns:p14="http://schemas.microsoft.com/office/powerpoint/2010/main" val="843123482"/>
+        <p14:creationId xmlns:p14="http://schemas.microsoft.com/office/powerpoint/2010/main" val="863784763"/>
       </p:ext>
     </p:extLst>
   </p:cSld>
@@ -5913,10 +5223,10 @@
       </p:sp>
       <p:pic>
         <p:nvPicPr>
-          <p:cNvPr id="2" name="그림 1">
-            <a:extLst>
-              <a:ext uri="{FF2B5EF4-FFF2-40B4-BE49-F238E27FC236}">
-                <a16:creationId xmlns:a16="http://schemas.microsoft.com/office/drawing/2014/main" id="{19998D22-0530-491B-84A3-1E08E6BCB1C3}"/>
+          <p:cNvPr id="3" name="그림 2">
+            <a:extLst>
+              <a:ext uri="{FF2B5EF4-FFF2-40B4-BE49-F238E27FC236}">
+                <a16:creationId xmlns:a16="http://schemas.microsoft.com/office/drawing/2014/main" id="{165AD71D-542A-428B-BE0B-19DCBDA921A4}"/>
               </a:ext>
             </a:extLst>
           </p:cNvPr>
@@ -5933,7 +5243,7 @@
         </p:blipFill>
         <p:spPr>
           <a:xfrm>
-            <a:off x="1343025" y="2205264"/>
+            <a:off x="6096000" y="2205264"/>
             <a:ext cx="4752975" cy="3695700"/>
           </a:xfrm>
           <a:prstGeom prst="rect">
@@ -5943,10 +5253,10 @@
       </p:pic>
       <p:pic>
         <p:nvPicPr>
-          <p:cNvPr id="3" name="그림 2">
-            <a:extLst>
-              <a:ext uri="{FF2B5EF4-FFF2-40B4-BE49-F238E27FC236}">
-                <a16:creationId xmlns:a16="http://schemas.microsoft.com/office/drawing/2014/main" id="{165AD71D-542A-428B-BE0B-19DCBDA921A4}"/>
+          <p:cNvPr id="4" name="그림 3">
+            <a:extLst>
+              <a:ext uri="{FF2B5EF4-FFF2-40B4-BE49-F238E27FC236}">
+                <a16:creationId xmlns:a16="http://schemas.microsoft.com/office/drawing/2014/main" id="{65338DC2-8145-41FC-8833-FEB3CF0168B5}"/>
               </a:ext>
             </a:extLst>
           </p:cNvPr>
@@ -5963,7 +5273,7 @@
         </p:blipFill>
         <p:spPr>
           <a:xfrm>
-            <a:off x="6096000" y="2205264"/>
+            <a:off x="1343025" y="2205264"/>
             <a:ext cx="4752975" cy="3695700"/>
           </a:xfrm>
           <a:prstGeom prst="rect">
@@ -5971,10 +5281,114 @@
           </a:prstGeom>
         </p:spPr>
       </p:pic>
+      <p:sp>
+        <p:nvSpPr>
+          <p:cNvPr id="8" name="직사각형 7">
+            <a:extLst>
+              <a:ext uri="{FF2B5EF4-FFF2-40B4-BE49-F238E27FC236}">
+                <a16:creationId xmlns:a16="http://schemas.microsoft.com/office/drawing/2014/main" id="{0BF2794C-ED99-4314-912E-AEDDE1B3B448}"/>
+              </a:ext>
+            </a:extLst>
+          </p:cNvPr>
+          <p:cNvSpPr/>
+          <p:nvPr/>
+        </p:nvSpPr>
+        <p:spPr>
+          <a:xfrm>
+            <a:off x="1547670" y="3429000"/>
+            <a:ext cx="1035873" cy="315686"/>
+          </a:xfrm>
+          <a:prstGeom prst="rect">
+            <a:avLst/>
+          </a:prstGeom>
+          <a:noFill/>
+          <a:ln w="19050">
+            <a:solidFill>
+              <a:srgbClr val="FF0000"/>
+            </a:solidFill>
+          </a:ln>
+        </p:spPr>
+        <p:style>
+          <a:lnRef idx="2">
+            <a:schemeClr val="accent1">
+              <a:shade val="50000"/>
+            </a:schemeClr>
+          </a:lnRef>
+          <a:fillRef idx="1">
+            <a:schemeClr val="accent1"/>
+          </a:fillRef>
+          <a:effectRef idx="0">
+            <a:schemeClr val="accent1"/>
+          </a:effectRef>
+          <a:fontRef idx="minor">
+            <a:schemeClr val="lt1"/>
+          </a:fontRef>
+        </p:style>
+        <p:txBody>
+          <a:bodyPr rtlCol="0" anchor="ctr"/>
+          <a:lstStyle/>
+          <a:p>
+            <a:pPr algn="ctr"/>
+            <a:endParaRPr lang="ko-KR" altLang="en-US"/>
+          </a:p>
+        </p:txBody>
+      </p:sp>
+      <p:sp>
+        <p:nvSpPr>
+          <p:cNvPr id="9" name="직사각형 8">
+            <a:extLst>
+              <a:ext uri="{FF2B5EF4-FFF2-40B4-BE49-F238E27FC236}">
+                <a16:creationId xmlns:a16="http://schemas.microsoft.com/office/drawing/2014/main" id="{DC3BAEAE-9C4E-41B2-B278-CB15F5214A43}"/>
+              </a:ext>
+            </a:extLst>
+          </p:cNvPr>
+          <p:cNvSpPr/>
+          <p:nvPr/>
+        </p:nvSpPr>
+        <p:spPr>
+          <a:xfrm>
+            <a:off x="1547669" y="4536167"/>
+            <a:ext cx="1035873" cy="315686"/>
+          </a:xfrm>
+          <a:prstGeom prst="rect">
+            <a:avLst/>
+          </a:prstGeom>
+          <a:noFill/>
+          <a:ln w="19050">
+            <a:solidFill>
+              <a:srgbClr val="FF0000"/>
+            </a:solidFill>
+          </a:ln>
+        </p:spPr>
+        <p:style>
+          <a:lnRef idx="2">
+            <a:schemeClr val="accent1">
+              <a:shade val="50000"/>
+            </a:schemeClr>
+          </a:lnRef>
+          <a:fillRef idx="1">
+            <a:schemeClr val="accent1"/>
+          </a:fillRef>
+          <a:effectRef idx="0">
+            <a:schemeClr val="accent1"/>
+          </a:effectRef>
+          <a:fontRef idx="minor">
+            <a:schemeClr val="lt1"/>
+          </a:fontRef>
+        </p:style>
+        <p:txBody>
+          <a:bodyPr rtlCol="0" anchor="ctr"/>
+          <a:lstStyle/>
+          <a:p>
+            <a:pPr algn="ctr"/>
+            <a:endParaRPr lang="ko-KR" altLang="en-US"/>
+          </a:p>
+        </p:txBody>
+      </p:sp>
     </p:spTree>
     <p:extLst>
       <p:ext uri="{BB962C8B-B14F-4D97-AF65-F5344CB8AC3E}">
-        <p14:creationId xmlns:p14="http://schemas.microsoft.com/office/powerpoint/2010/main" val="863784763"/>
+        <p14:creationId xmlns:p14="http://schemas.microsoft.com/office/powerpoint/2010/main" val="2833683399"/>
       </p:ext>
     </p:extLst>
   </p:cSld>
@@ -6059,66 +5473,6 @@
           </a:p>
         </p:txBody>
       </p:sp>
-      <p:pic>
-        <p:nvPicPr>
-          <p:cNvPr id="3" name="그림 2">
-            <a:extLst>
-              <a:ext uri="{FF2B5EF4-FFF2-40B4-BE49-F238E27FC236}">
-                <a16:creationId xmlns:a16="http://schemas.microsoft.com/office/drawing/2014/main" id="{165AD71D-542A-428B-BE0B-19DCBDA921A4}"/>
-              </a:ext>
-            </a:extLst>
-          </p:cNvPr>
-          <p:cNvPicPr>
-            <a:picLocks noChangeAspect="1"/>
-          </p:cNvPicPr>
-          <p:nvPr/>
-        </p:nvPicPr>
-        <p:blipFill>
-          <a:blip r:embed="rId2"/>
-          <a:stretch>
-            <a:fillRect/>
-          </a:stretch>
-        </p:blipFill>
-        <p:spPr>
-          <a:xfrm>
-            <a:off x="6096000" y="2205264"/>
-            <a:ext cx="4752975" cy="3695700"/>
-          </a:xfrm>
-          <a:prstGeom prst="rect">
-            <a:avLst/>
-          </a:prstGeom>
-        </p:spPr>
-      </p:pic>
-      <p:pic>
-        <p:nvPicPr>
-          <p:cNvPr id="4" name="그림 3">
-            <a:extLst>
-              <a:ext uri="{FF2B5EF4-FFF2-40B4-BE49-F238E27FC236}">
-                <a16:creationId xmlns:a16="http://schemas.microsoft.com/office/drawing/2014/main" id="{65338DC2-8145-41FC-8833-FEB3CF0168B5}"/>
-              </a:ext>
-            </a:extLst>
-          </p:cNvPr>
-          <p:cNvPicPr>
-            <a:picLocks noChangeAspect="1"/>
-          </p:cNvPicPr>
-          <p:nvPr/>
-        </p:nvPicPr>
-        <p:blipFill>
-          <a:blip r:embed="rId3"/>
-          <a:stretch>
-            <a:fillRect/>
-          </a:stretch>
-        </p:blipFill>
-        <p:spPr>
-          <a:xfrm>
-            <a:off x="1343025" y="2205264"/>
-            <a:ext cx="4752975" cy="3695700"/>
-          </a:xfrm>
-          <a:prstGeom prst="rect">
-            <a:avLst/>
-          </a:prstGeom>
-        </p:spPr>
-      </p:pic>
       <p:sp>
         <p:nvSpPr>
           <p:cNvPr id="8" name="직사각형 7">
@@ -6223,10 +5577,70 @@
           </a:p>
         </p:txBody>
       </p:sp>
+      <p:pic>
+        <p:nvPicPr>
+          <p:cNvPr id="5" name="그림 4">
+            <a:extLst>
+              <a:ext uri="{FF2B5EF4-FFF2-40B4-BE49-F238E27FC236}">
+                <a16:creationId xmlns:a16="http://schemas.microsoft.com/office/drawing/2014/main" id="{563816D1-B736-419E-8430-C51BFF1F5150}"/>
+              </a:ext>
+            </a:extLst>
+          </p:cNvPr>
+          <p:cNvPicPr>
+            <a:picLocks noChangeAspect="1"/>
+          </p:cNvPicPr>
+          <p:nvPr/>
+        </p:nvPicPr>
+        <p:blipFill>
+          <a:blip r:embed="rId2"/>
+          <a:stretch>
+            <a:fillRect/>
+          </a:stretch>
+        </p:blipFill>
+        <p:spPr>
+          <a:xfrm>
+            <a:off x="1343025" y="2205264"/>
+            <a:ext cx="4752975" cy="3695700"/>
+          </a:xfrm>
+          <a:prstGeom prst="rect">
+            <a:avLst/>
+          </a:prstGeom>
+        </p:spPr>
+      </p:pic>
+      <p:pic>
+        <p:nvPicPr>
+          <p:cNvPr id="2" name="그림 1">
+            <a:extLst>
+              <a:ext uri="{FF2B5EF4-FFF2-40B4-BE49-F238E27FC236}">
+                <a16:creationId xmlns:a16="http://schemas.microsoft.com/office/drawing/2014/main" id="{809AF15A-3786-4E8E-ADA8-740D7FB20F24}"/>
+              </a:ext>
+            </a:extLst>
+          </p:cNvPr>
+          <p:cNvPicPr>
+            <a:picLocks noChangeAspect="1"/>
+          </p:cNvPicPr>
+          <p:nvPr/>
+        </p:nvPicPr>
+        <p:blipFill>
+          <a:blip r:embed="rId3"/>
+          <a:stretch>
+            <a:fillRect/>
+          </a:stretch>
+        </p:blipFill>
+        <p:spPr>
+          <a:xfrm>
+            <a:off x="6096000" y="2205264"/>
+            <a:ext cx="4752975" cy="3695700"/>
+          </a:xfrm>
+          <a:prstGeom prst="rect">
+            <a:avLst/>
+          </a:prstGeom>
+        </p:spPr>
+      </p:pic>
     </p:spTree>
     <p:extLst>
       <p:ext uri="{BB962C8B-B14F-4D97-AF65-F5344CB8AC3E}">
-        <p14:creationId xmlns:p14="http://schemas.microsoft.com/office/powerpoint/2010/main" val="2833683399"/>
+        <p14:creationId xmlns:p14="http://schemas.microsoft.com/office/powerpoint/2010/main" val="208966299"/>
       </p:ext>
     </p:extLst>
   </p:cSld>
@@ -6417,10 +5831,10 @@
       </p:sp>
       <p:pic>
         <p:nvPicPr>
-          <p:cNvPr id="5" name="그림 4">
-            <a:extLst>
-              <a:ext uri="{FF2B5EF4-FFF2-40B4-BE49-F238E27FC236}">
-                <a16:creationId xmlns:a16="http://schemas.microsoft.com/office/drawing/2014/main" id="{563816D1-B736-419E-8430-C51BFF1F5150}"/>
+          <p:cNvPr id="3" name="그림 2">
+            <a:extLst>
+              <a:ext uri="{FF2B5EF4-FFF2-40B4-BE49-F238E27FC236}">
+                <a16:creationId xmlns:a16="http://schemas.microsoft.com/office/drawing/2014/main" id="{5E66F318-9D77-472E-AA83-BC1BF6FC916A}"/>
               </a:ext>
             </a:extLst>
           </p:cNvPr>
@@ -6445,40 +5859,45 @@
           </a:prstGeom>
         </p:spPr>
       </p:pic>
-      <p:pic>
-        <p:nvPicPr>
-          <p:cNvPr id="2" name="그림 1">
-            <a:extLst>
-              <a:ext uri="{FF2B5EF4-FFF2-40B4-BE49-F238E27FC236}">
-                <a16:creationId xmlns:a16="http://schemas.microsoft.com/office/drawing/2014/main" id="{809AF15A-3786-4E8E-ADA8-740D7FB20F24}"/>
-              </a:ext>
-            </a:extLst>
-          </p:cNvPr>
-          <p:cNvPicPr>
-            <a:picLocks noChangeAspect="1"/>
-          </p:cNvPicPr>
+      <p:sp>
+        <p:nvSpPr>
+          <p:cNvPr id="4" name="TextBox 3">
+            <a:extLst>
+              <a:ext uri="{FF2B5EF4-FFF2-40B4-BE49-F238E27FC236}">
+                <a16:creationId xmlns:a16="http://schemas.microsoft.com/office/drawing/2014/main" id="{79AE2D0A-0C87-41A9-A21E-E53609F77259}"/>
+              </a:ext>
+            </a:extLst>
+          </p:cNvPr>
+          <p:cNvSpPr txBox="1"/>
           <p:nvPr/>
-        </p:nvPicPr>
-        <p:blipFill>
-          <a:blip r:embed="rId3"/>
-          <a:stretch>
-            <a:fillRect/>
-          </a:stretch>
-        </p:blipFill>
-        <p:spPr>
-          <a:xfrm>
-            <a:off x="6096000" y="2205264"/>
-            <a:ext cx="4752975" cy="3695700"/>
+        </p:nvSpPr>
+        <p:spPr>
+          <a:xfrm>
+            <a:off x="7097486" y="3164114"/>
+            <a:ext cx="3430747" cy="369332"/>
           </a:xfrm>
           <a:prstGeom prst="rect">
             <a:avLst/>
           </a:prstGeom>
-        </p:spPr>
-      </p:pic>
+          <a:noFill/>
+        </p:spPr>
+        <p:txBody>
+          <a:bodyPr wrap="none" rtlCol="0">
+            <a:spAutoFit/>
+          </a:bodyPr>
+          <a:lstStyle/>
+          <a:p>
+            <a:r>
+              <a:rPr lang="ko-KR" altLang="en-US" dirty="0"/>
+              <a:t>그냥 체크박스 누르고 실행하자</a:t>
+            </a:r>
+          </a:p>
+        </p:txBody>
+      </p:sp>
     </p:spTree>
     <p:extLst>
       <p:ext uri="{BB962C8B-B14F-4D97-AF65-F5344CB8AC3E}">
-        <p14:creationId xmlns:p14="http://schemas.microsoft.com/office/powerpoint/2010/main" val="208966299"/>
+        <p14:creationId xmlns:p14="http://schemas.microsoft.com/office/powerpoint/2010/main" val="1555191110"/>
       </p:ext>
     </p:extLst>
   </p:cSld>
@@ -6565,114 +5984,96 @@
       </p:sp>
       <p:sp>
         <p:nvSpPr>
-          <p:cNvPr id="8" name="직사각형 7">
-            <a:extLst>
-              <a:ext uri="{FF2B5EF4-FFF2-40B4-BE49-F238E27FC236}">
-                <a16:creationId xmlns:a16="http://schemas.microsoft.com/office/drawing/2014/main" id="{0BF2794C-ED99-4314-912E-AEDDE1B3B448}"/>
-              </a:ext>
-            </a:extLst>
-          </p:cNvPr>
-          <p:cNvSpPr/>
+          <p:cNvPr id="11" name="TextBox 10">
+            <a:extLst>
+              <a:ext uri="{FF2B5EF4-FFF2-40B4-BE49-F238E27FC236}">
+                <a16:creationId xmlns:a16="http://schemas.microsoft.com/office/drawing/2014/main" id="{7D02E6AE-33A8-4359-8031-8A75198F3CDB}"/>
+              </a:ext>
+            </a:extLst>
+          </p:cNvPr>
+          <p:cNvSpPr txBox="1"/>
           <p:nvPr/>
         </p:nvSpPr>
         <p:spPr>
           <a:xfrm>
-            <a:off x="1547670" y="3429000"/>
-            <a:ext cx="1035873" cy="315686"/>
+            <a:off x="9795219" y="-1691779"/>
+            <a:ext cx="2045753" cy="646331"/>
           </a:xfrm>
           <a:prstGeom prst="rect">
             <a:avLst/>
           </a:prstGeom>
           <a:noFill/>
-          <a:ln w="19050">
-            <a:solidFill>
-              <a:srgbClr val="FF0000"/>
-            </a:solidFill>
-          </a:ln>
-        </p:spPr>
-        <p:style>
-          <a:lnRef idx="2">
-            <a:schemeClr val="accent1">
-              <a:shade val="50000"/>
-            </a:schemeClr>
-          </a:lnRef>
-          <a:fillRef idx="1">
-            <a:schemeClr val="accent1"/>
-          </a:fillRef>
-          <a:effectRef idx="0">
-            <a:schemeClr val="accent1"/>
-          </a:effectRef>
-          <a:fontRef idx="minor">
-            <a:schemeClr val="lt1"/>
-          </a:fontRef>
-        </p:style>
-        <p:txBody>
-          <a:bodyPr rtlCol="0" anchor="ctr"/>
-          <a:lstStyle/>
-          <a:p>
-            <a:pPr algn="ctr"/>
-            <a:endParaRPr lang="ko-KR" altLang="en-US"/>
-          </a:p>
-        </p:txBody>
-      </p:sp>
-      <p:sp>
-        <p:nvSpPr>
-          <p:cNvPr id="9" name="직사각형 8">
-            <a:extLst>
-              <a:ext uri="{FF2B5EF4-FFF2-40B4-BE49-F238E27FC236}">
-                <a16:creationId xmlns:a16="http://schemas.microsoft.com/office/drawing/2014/main" id="{DC3BAEAE-9C4E-41B2-B278-CB15F5214A43}"/>
-              </a:ext>
-            </a:extLst>
-          </p:cNvPr>
-          <p:cNvSpPr/>
+        </p:spPr>
+        <p:txBody>
+          <a:bodyPr wrap="none" rtlCol="0">
+            <a:spAutoFit/>
+          </a:bodyPr>
+          <a:lstStyle/>
+          <a:p>
+            <a:r>
+              <a:rPr lang="ko-KR" altLang="en-US" dirty="0"/>
+              <a:t>다운로드 완료 후 </a:t>
+            </a:r>
+            <a:endParaRPr lang="en-US" altLang="ko-KR" dirty="0"/>
+          </a:p>
+          <a:p>
+            <a:r>
+              <a:rPr lang="en-US" altLang="ko-KR" dirty="0"/>
+              <a:t>.exe </a:t>
+            </a:r>
+            <a:r>
+              <a:rPr lang="ko-KR" altLang="en-US" dirty="0"/>
+              <a:t>파일 실행</a:t>
+            </a:r>
+          </a:p>
+        </p:txBody>
+      </p:sp>
+      <p:sp>
+        <p:nvSpPr>
+          <p:cNvPr id="4" name="TextBox 3">
+            <a:extLst>
+              <a:ext uri="{FF2B5EF4-FFF2-40B4-BE49-F238E27FC236}">
+                <a16:creationId xmlns:a16="http://schemas.microsoft.com/office/drawing/2014/main" id="{79AE2D0A-0C87-41A9-A21E-E53609F77259}"/>
+              </a:ext>
+            </a:extLst>
+          </p:cNvPr>
+          <p:cNvSpPr txBox="1"/>
           <p:nvPr/>
         </p:nvSpPr>
         <p:spPr>
           <a:xfrm>
-            <a:off x="1547669" y="4536167"/>
-            <a:ext cx="1035873" cy="315686"/>
+            <a:off x="1451429" y="2133599"/>
+            <a:ext cx="3743461" cy="369332"/>
           </a:xfrm>
           <a:prstGeom prst="rect">
             <a:avLst/>
           </a:prstGeom>
           <a:noFill/>
-          <a:ln w="19050">
-            <a:solidFill>
-              <a:srgbClr val="FF0000"/>
-            </a:solidFill>
-          </a:ln>
-        </p:spPr>
-        <p:style>
-          <a:lnRef idx="2">
-            <a:schemeClr val="accent1">
-              <a:shade val="50000"/>
-            </a:schemeClr>
-          </a:lnRef>
-          <a:fillRef idx="1">
-            <a:schemeClr val="accent1"/>
-          </a:fillRef>
-          <a:effectRef idx="0">
-            <a:schemeClr val="accent1"/>
-          </a:effectRef>
-          <a:fontRef idx="minor">
-            <a:schemeClr val="lt1"/>
-          </a:fontRef>
-        </p:style>
-        <p:txBody>
-          <a:bodyPr rtlCol="0" anchor="ctr"/>
-          <a:lstStyle/>
-          <a:p>
-            <a:pPr algn="ctr"/>
-            <a:endParaRPr lang="ko-KR" altLang="en-US"/>
+        </p:spPr>
+        <p:txBody>
+          <a:bodyPr wrap="none" rtlCol="0">
+            <a:spAutoFit/>
+          </a:bodyPr>
+          <a:lstStyle/>
+          <a:p>
+            <a:r>
+              <a:rPr lang="ko-KR" altLang="en-US" dirty="0"/>
+              <a:t>설치한 적 있으면 </a:t>
+            </a:r>
+            <a:r>
+              <a:rPr lang="en-US" altLang="ko-KR" dirty="0"/>
+              <a:t>Previous version</a:t>
+            </a:r>
+            <a:endParaRPr lang="ko-KR" altLang="en-US" dirty="0"/>
           </a:p>
         </p:txBody>
       </p:sp>
       <p:pic>
         <p:nvPicPr>
-          <p:cNvPr id="3" name="그림 2">
-            <a:extLst>
-              <a:ext uri="{FF2B5EF4-FFF2-40B4-BE49-F238E27FC236}">
-                <a16:creationId xmlns:a16="http://schemas.microsoft.com/office/drawing/2014/main" id="{5E66F318-9D77-472E-AA83-BC1BF6FC916A}"/>
+          <p:cNvPr id="6" name="그림 5">
+            <a:extLst>
+              <a:ext uri="{FF2B5EF4-FFF2-40B4-BE49-F238E27FC236}">
+                <a16:creationId xmlns:a16="http://schemas.microsoft.com/office/drawing/2014/main" id="{68D60C48-C957-4E38-A172-8EB50C84452C}"/>
               </a:ext>
             </a:extLst>
           </p:cNvPr>
@@ -6689,20 +6090,50 @@
         </p:blipFill>
         <p:spPr>
           <a:xfrm>
-            <a:off x="1343025" y="2205264"/>
-            <a:ext cx="4752975" cy="3695700"/>
+            <a:off x="1329644" y="2736138"/>
+            <a:ext cx="4162425" cy="1733550"/>
           </a:xfrm>
           <a:prstGeom prst="rect">
             <a:avLst/>
           </a:prstGeom>
         </p:spPr>
       </p:pic>
-      <p:sp>
-        <p:nvSpPr>
-          <p:cNvPr id="4" name="TextBox 3">
-            <a:extLst>
-              <a:ext uri="{FF2B5EF4-FFF2-40B4-BE49-F238E27FC236}">
-                <a16:creationId xmlns:a16="http://schemas.microsoft.com/office/drawing/2014/main" id="{79AE2D0A-0C87-41A9-A21E-E53609F77259}"/>
+      <p:pic>
+        <p:nvPicPr>
+          <p:cNvPr id="10" name="그림 9">
+            <a:extLst>
+              <a:ext uri="{FF2B5EF4-FFF2-40B4-BE49-F238E27FC236}">
+                <a16:creationId xmlns:a16="http://schemas.microsoft.com/office/drawing/2014/main" id="{BCE11D36-1E81-4F33-8054-5886CE1B4DD4}"/>
+              </a:ext>
+            </a:extLst>
+          </p:cNvPr>
+          <p:cNvPicPr>
+            <a:picLocks noChangeAspect="1"/>
+          </p:cNvPicPr>
+          <p:nvPr/>
+        </p:nvPicPr>
+        <p:blipFill>
+          <a:blip r:embed="rId2"/>
+          <a:stretch>
+            <a:fillRect/>
+          </a:stretch>
+        </p:blipFill>
+        <p:spPr>
+          <a:xfrm>
+            <a:off x="6460445" y="2736138"/>
+            <a:ext cx="4162425" cy="1733550"/>
+          </a:xfrm>
+          <a:prstGeom prst="rect">
+            <a:avLst/>
+          </a:prstGeom>
+        </p:spPr>
+      </p:pic>
+      <p:sp>
+        <p:nvSpPr>
+          <p:cNvPr id="12" name="TextBox 11">
+            <a:extLst>
+              <a:ext uri="{FF2B5EF4-FFF2-40B4-BE49-F238E27FC236}">
+                <a16:creationId xmlns:a16="http://schemas.microsoft.com/office/drawing/2014/main" id="{424E5E44-4F03-4E54-8646-49573ECF9796}"/>
               </a:ext>
             </a:extLst>
           </p:cNvPr>
@@ -6711,8 +6142,8 @@
         </p:nvSpPr>
         <p:spPr>
           <a:xfrm>
-            <a:off x="7097486" y="3164114"/>
-            <a:ext cx="3430747" cy="369332"/>
+            <a:off x="6669926" y="2202150"/>
+            <a:ext cx="4460708" cy="369332"/>
           </a:xfrm>
           <a:prstGeom prst="rect">
             <a:avLst/>
@@ -6727,15 +6158,20 @@
           <a:p>
             <a:r>
               <a:rPr lang="ko-KR" altLang="en-US" dirty="0"/>
-              <a:t>그냥 체크박스 누르고 실행하자</a:t>
-            </a:r>
+              <a:t>설치한 적 없으면 </a:t>
+            </a:r>
+            <a:r>
+              <a:rPr lang="en-US" altLang="ko-KR" dirty="0"/>
+              <a:t>Do not import settings</a:t>
+            </a:r>
+            <a:endParaRPr lang="ko-KR" altLang="en-US" dirty="0"/>
           </a:p>
         </p:txBody>
       </p:sp>
     </p:spTree>
     <p:extLst>
       <p:ext uri="{BB962C8B-B14F-4D97-AF65-F5344CB8AC3E}">
-        <p14:creationId xmlns:p14="http://schemas.microsoft.com/office/powerpoint/2010/main" val="1555191110"/>
+        <p14:creationId xmlns:p14="http://schemas.microsoft.com/office/powerpoint/2010/main" val="3179083874"/>
       </p:ext>
     </p:extLst>
   </p:cSld>
@@ -7033,98 +6469,12 @@
           </a:p>
         </p:txBody>
       </p:sp>
-      <p:sp>
-        <p:nvSpPr>
-          <p:cNvPr id="11" name="TextBox 10">
-            <a:extLst>
-              <a:ext uri="{FF2B5EF4-FFF2-40B4-BE49-F238E27FC236}">
-                <a16:creationId xmlns:a16="http://schemas.microsoft.com/office/drawing/2014/main" id="{7D02E6AE-33A8-4359-8031-8A75198F3CDB}"/>
-              </a:ext>
-            </a:extLst>
-          </p:cNvPr>
-          <p:cNvSpPr txBox="1"/>
-          <p:nvPr/>
-        </p:nvSpPr>
-        <p:spPr>
-          <a:xfrm>
-            <a:off x="9795219" y="-1691779"/>
-            <a:ext cx="2045753" cy="646331"/>
-          </a:xfrm>
-          <a:prstGeom prst="rect">
-            <a:avLst/>
-          </a:prstGeom>
-          <a:noFill/>
-        </p:spPr>
-        <p:txBody>
-          <a:bodyPr wrap="none" rtlCol="0">
-            <a:spAutoFit/>
-          </a:bodyPr>
-          <a:lstStyle/>
-          <a:p>
-            <a:r>
-              <a:rPr lang="ko-KR" altLang="en-US" dirty="0"/>
-              <a:t>다운로드 완료 후 </a:t>
-            </a:r>
-            <a:endParaRPr lang="en-US" altLang="ko-KR" dirty="0"/>
-          </a:p>
-          <a:p>
-            <a:r>
-              <a:rPr lang="en-US" altLang="ko-KR" dirty="0"/>
-              <a:t>.exe </a:t>
-            </a:r>
-            <a:r>
-              <a:rPr lang="ko-KR" altLang="en-US" dirty="0"/>
-              <a:t>파일 실행</a:t>
-            </a:r>
-          </a:p>
-        </p:txBody>
-      </p:sp>
-      <p:sp>
-        <p:nvSpPr>
-          <p:cNvPr id="4" name="TextBox 3">
-            <a:extLst>
-              <a:ext uri="{FF2B5EF4-FFF2-40B4-BE49-F238E27FC236}">
-                <a16:creationId xmlns:a16="http://schemas.microsoft.com/office/drawing/2014/main" id="{79AE2D0A-0C87-41A9-A21E-E53609F77259}"/>
-              </a:ext>
-            </a:extLst>
-          </p:cNvPr>
-          <p:cNvSpPr txBox="1"/>
-          <p:nvPr/>
-        </p:nvSpPr>
-        <p:spPr>
-          <a:xfrm>
-            <a:off x="1451429" y="2133599"/>
-            <a:ext cx="3743461" cy="369332"/>
-          </a:xfrm>
-          <a:prstGeom prst="rect">
-            <a:avLst/>
-          </a:prstGeom>
-          <a:noFill/>
-        </p:spPr>
-        <p:txBody>
-          <a:bodyPr wrap="none" rtlCol="0">
-            <a:spAutoFit/>
-          </a:bodyPr>
-          <a:lstStyle/>
-          <a:p>
-            <a:r>
-              <a:rPr lang="ko-KR" altLang="en-US" dirty="0"/>
-              <a:t>설치한 적 있으면 </a:t>
-            </a:r>
-            <a:r>
-              <a:rPr lang="en-US" altLang="ko-KR" dirty="0"/>
-              <a:t>Previous version</a:t>
-            </a:r>
-            <a:endParaRPr lang="ko-KR" altLang="en-US" dirty="0"/>
-          </a:p>
-        </p:txBody>
-      </p:sp>
       <p:pic>
         <p:nvPicPr>
-          <p:cNvPr id="6" name="그림 5">
-            <a:extLst>
-              <a:ext uri="{FF2B5EF4-FFF2-40B4-BE49-F238E27FC236}">
-                <a16:creationId xmlns:a16="http://schemas.microsoft.com/office/drawing/2014/main" id="{68D60C48-C957-4E38-A172-8EB50C84452C}"/>
+          <p:cNvPr id="2" name="그림 1">
+            <a:extLst>
+              <a:ext uri="{FF2B5EF4-FFF2-40B4-BE49-F238E27FC236}">
+                <a16:creationId xmlns:a16="http://schemas.microsoft.com/office/drawing/2014/main" id="{77AEC906-3D2E-46AB-88D5-089C3840428C}"/>
               </a:ext>
             </a:extLst>
           </p:cNvPr>
@@ -7141,50 +6491,20 @@
         </p:blipFill>
         <p:spPr>
           <a:xfrm>
-            <a:off x="1329644" y="2736138"/>
-            <a:ext cx="4162425" cy="1733550"/>
+            <a:off x="272709" y="1819765"/>
+            <a:ext cx="5823291" cy="4887405"/>
           </a:xfrm>
           <a:prstGeom prst="rect">
             <a:avLst/>
           </a:prstGeom>
         </p:spPr>
       </p:pic>
-      <p:pic>
-        <p:nvPicPr>
-          <p:cNvPr id="10" name="그림 9">
-            <a:extLst>
-              <a:ext uri="{FF2B5EF4-FFF2-40B4-BE49-F238E27FC236}">
-                <a16:creationId xmlns:a16="http://schemas.microsoft.com/office/drawing/2014/main" id="{BCE11D36-1E81-4F33-8054-5886CE1B4DD4}"/>
-              </a:ext>
-            </a:extLst>
-          </p:cNvPr>
-          <p:cNvPicPr>
-            <a:picLocks noChangeAspect="1"/>
-          </p:cNvPicPr>
-          <p:nvPr/>
-        </p:nvPicPr>
-        <p:blipFill>
-          <a:blip r:embed="rId2"/>
-          <a:stretch>
-            <a:fillRect/>
-          </a:stretch>
-        </p:blipFill>
-        <p:spPr>
-          <a:xfrm>
-            <a:off x="6460445" y="2736138"/>
-            <a:ext cx="4162425" cy="1733550"/>
-          </a:xfrm>
-          <a:prstGeom prst="rect">
-            <a:avLst/>
-          </a:prstGeom>
-        </p:spPr>
-      </p:pic>
-      <p:sp>
-        <p:nvSpPr>
-          <p:cNvPr id="12" name="TextBox 11">
-            <a:extLst>
-              <a:ext uri="{FF2B5EF4-FFF2-40B4-BE49-F238E27FC236}">
-                <a16:creationId xmlns:a16="http://schemas.microsoft.com/office/drawing/2014/main" id="{424E5E44-4F03-4E54-8646-49573ECF9796}"/>
+      <p:sp>
+        <p:nvSpPr>
+          <p:cNvPr id="8" name="TextBox 7">
+            <a:extLst>
+              <a:ext uri="{FF2B5EF4-FFF2-40B4-BE49-F238E27FC236}">
+                <a16:creationId xmlns:a16="http://schemas.microsoft.com/office/drawing/2014/main" id="{322C2A51-C4ED-4A8B-873E-23E715690FBA}"/>
               </a:ext>
             </a:extLst>
           </p:cNvPr>
@@ -7194,7 +6514,7 @@
         <p:spPr>
           <a:xfrm>
             <a:off x="6669926" y="2202150"/>
-            <a:ext cx="4460708" cy="369332"/>
+            <a:ext cx="2994731" cy="369332"/>
           </a:xfrm>
           <a:prstGeom prst="rect">
             <a:avLst/>
@@ -7209,11 +6529,11 @@
           <a:p>
             <a:r>
               <a:rPr lang="ko-KR" altLang="en-US" dirty="0"/>
-              <a:t>설치한 적 없으면 </a:t>
+              <a:t>원하는 테마 선택하고 </a:t>
             </a:r>
             <a:r>
               <a:rPr lang="en-US" altLang="ko-KR" dirty="0"/>
-              <a:t>Do not import settings</a:t>
+              <a:t>Next</a:t>
             </a:r>
             <a:endParaRPr lang="ko-KR" altLang="en-US" dirty="0"/>
           </a:p>
@@ -7222,7 +6542,7 @@
     </p:spTree>
     <p:extLst>
       <p:ext uri="{BB962C8B-B14F-4D97-AF65-F5344CB8AC3E}">
-        <p14:creationId xmlns:p14="http://schemas.microsoft.com/office/powerpoint/2010/main" val="3179083874"/>
+        <p14:creationId xmlns:p14="http://schemas.microsoft.com/office/powerpoint/2010/main" val="1513127737"/>
       </p:ext>
     </p:extLst>
   </p:cSld>
@@ -7352,7 +6672,7 @@
         <p:spPr>
           <a:xfrm>
             <a:off x="6669926" y="2202150"/>
-            <a:ext cx="2994731" cy="369332"/>
+            <a:ext cx="5100242" cy="369332"/>
           </a:xfrm>
           <a:prstGeom prst="rect">
             <a:avLst/>
@@ -7367,20 +6687,54 @@
           <a:p>
             <a:r>
               <a:rPr lang="ko-KR" altLang="en-US" dirty="0"/>
-              <a:t>원하는 테마 선택하고 </a:t>
+              <a:t>원하는 플러그인 선택하고 </a:t>
             </a:r>
             <a:r>
               <a:rPr lang="en-US" altLang="ko-KR" dirty="0"/>
-              <a:t>Next</a:t>
+              <a:t>Start Using </a:t>
+            </a:r>
+            <a:r>
+              <a:rPr lang="en-US" altLang="ko-KR" dirty="0" err="1"/>
+              <a:t>Pycharm</a:t>
             </a:r>
             <a:endParaRPr lang="ko-KR" altLang="en-US" dirty="0"/>
           </a:p>
         </p:txBody>
       </p:sp>
+      <p:pic>
+        <p:nvPicPr>
+          <p:cNvPr id="3" name="그림 2">
+            <a:extLst>
+              <a:ext uri="{FF2B5EF4-FFF2-40B4-BE49-F238E27FC236}">
+                <a16:creationId xmlns:a16="http://schemas.microsoft.com/office/drawing/2014/main" id="{ABF3F85D-B516-4974-A2C7-1D51140CC349}"/>
+              </a:ext>
+            </a:extLst>
+          </p:cNvPr>
+          <p:cNvPicPr>
+            <a:picLocks noChangeAspect="1"/>
+          </p:cNvPicPr>
+          <p:nvPr/>
+        </p:nvPicPr>
+        <p:blipFill>
+          <a:blip r:embed="rId3"/>
+          <a:stretch>
+            <a:fillRect/>
+          </a:stretch>
+        </p:blipFill>
+        <p:spPr>
+          <a:xfrm>
+            <a:off x="272709" y="1819764"/>
+            <a:ext cx="5823291" cy="4887405"/>
+          </a:xfrm>
+          <a:prstGeom prst="rect">
+            <a:avLst/>
+          </a:prstGeom>
+        </p:spPr>
+      </p:pic>
     </p:spTree>
     <p:extLst>
       <p:ext uri="{BB962C8B-B14F-4D97-AF65-F5344CB8AC3E}">
-        <p14:creationId xmlns:p14="http://schemas.microsoft.com/office/powerpoint/2010/main" val="1513127737"/>
+        <p14:creationId xmlns:p14="http://schemas.microsoft.com/office/powerpoint/2010/main" val="904318105"/>
       </p:ext>
     </p:extLst>
   </p:cSld>
@@ -7465,198 +6819,6 @@
           </a:p>
         </p:txBody>
       </p:sp>
-      <p:pic>
-        <p:nvPicPr>
-          <p:cNvPr id="2" name="그림 1">
-            <a:extLst>
-              <a:ext uri="{FF2B5EF4-FFF2-40B4-BE49-F238E27FC236}">
-                <a16:creationId xmlns:a16="http://schemas.microsoft.com/office/drawing/2014/main" id="{77AEC906-3D2E-46AB-88D5-089C3840428C}"/>
-              </a:ext>
-            </a:extLst>
-          </p:cNvPr>
-          <p:cNvPicPr>
-            <a:picLocks noChangeAspect="1"/>
-          </p:cNvPicPr>
-          <p:nvPr/>
-        </p:nvPicPr>
-        <p:blipFill>
-          <a:blip r:embed="rId2"/>
-          <a:stretch>
-            <a:fillRect/>
-          </a:stretch>
-        </p:blipFill>
-        <p:spPr>
-          <a:xfrm>
-            <a:off x="272709" y="1819765"/>
-            <a:ext cx="5823291" cy="4887405"/>
-          </a:xfrm>
-          <a:prstGeom prst="rect">
-            <a:avLst/>
-          </a:prstGeom>
-        </p:spPr>
-      </p:pic>
-      <p:sp>
-        <p:nvSpPr>
-          <p:cNvPr id="8" name="TextBox 7">
-            <a:extLst>
-              <a:ext uri="{FF2B5EF4-FFF2-40B4-BE49-F238E27FC236}">
-                <a16:creationId xmlns:a16="http://schemas.microsoft.com/office/drawing/2014/main" id="{322C2A51-C4ED-4A8B-873E-23E715690FBA}"/>
-              </a:ext>
-            </a:extLst>
-          </p:cNvPr>
-          <p:cNvSpPr txBox="1"/>
-          <p:nvPr/>
-        </p:nvSpPr>
-        <p:spPr>
-          <a:xfrm>
-            <a:off x="6669926" y="2202150"/>
-            <a:ext cx="5100242" cy="369332"/>
-          </a:xfrm>
-          <a:prstGeom prst="rect">
-            <a:avLst/>
-          </a:prstGeom>
-          <a:noFill/>
-        </p:spPr>
-        <p:txBody>
-          <a:bodyPr wrap="none" rtlCol="0">
-            <a:spAutoFit/>
-          </a:bodyPr>
-          <a:lstStyle/>
-          <a:p>
-            <a:r>
-              <a:rPr lang="ko-KR" altLang="en-US" dirty="0"/>
-              <a:t>원하는 플러그인 선택하고 </a:t>
-            </a:r>
-            <a:r>
-              <a:rPr lang="en-US" altLang="ko-KR" dirty="0"/>
-              <a:t>Start Using </a:t>
-            </a:r>
-            <a:r>
-              <a:rPr lang="en-US" altLang="ko-KR" dirty="0" err="1"/>
-              <a:t>Pycharm</a:t>
-            </a:r>
-            <a:endParaRPr lang="ko-KR" altLang="en-US" dirty="0"/>
-          </a:p>
-        </p:txBody>
-      </p:sp>
-      <p:pic>
-        <p:nvPicPr>
-          <p:cNvPr id="3" name="그림 2">
-            <a:extLst>
-              <a:ext uri="{FF2B5EF4-FFF2-40B4-BE49-F238E27FC236}">
-                <a16:creationId xmlns:a16="http://schemas.microsoft.com/office/drawing/2014/main" id="{ABF3F85D-B516-4974-A2C7-1D51140CC349}"/>
-              </a:ext>
-            </a:extLst>
-          </p:cNvPr>
-          <p:cNvPicPr>
-            <a:picLocks noChangeAspect="1"/>
-          </p:cNvPicPr>
-          <p:nvPr/>
-        </p:nvPicPr>
-        <p:blipFill>
-          <a:blip r:embed="rId3"/>
-          <a:stretch>
-            <a:fillRect/>
-          </a:stretch>
-        </p:blipFill>
-        <p:spPr>
-          <a:xfrm>
-            <a:off x="272709" y="1819764"/>
-            <a:ext cx="5823291" cy="4887405"/>
-          </a:xfrm>
-          <a:prstGeom prst="rect">
-            <a:avLst/>
-          </a:prstGeom>
-        </p:spPr>
-      </p:pic>
-    </p:spTree>
-    <p:extLst>
-      <p:ext uri="{BB962C8B-B14F-4D97-AF65-F5344CB8AC3E}">
-        <p14:creationId xmlns:p14="http://schemas.microsoft.com/office/powerpoint/2010/main" val="904318105"/>
-      </p:ext>
-    </p:extLst>
-  </p:cSld>
-  <p:clrMapOvr>
-    <a:masterClrMapping/>
-  </p:clrMapOvr>
-</p:sld>
-</file>
-
-<file path=ppt/slides/slide23.xml><?xml version="1.0" encoding="utf-8"?>
-<p:sld xmlns:a="http://schemas.openxmlformats.org/drawingml/2006/main" xmlns:r="http://schemas.openxmlformats.org/officeDocument/2006/relationships" xmlns:p="http://schemas.openxmlformats.org/presentationml/2006/main">
-  <p:cSld>
-    <p:spTree>
-      <p:nvGrpSpPr>
-        <p:cNvPr id="1" name=""/>
-        <p:cNvGrpSpPr/>
-        <p:nvPr/>
-      </p:nvGrpSpPr>
-      <p:grpSpPr>
-        <a:xfrm>
-          <a:off x="0" y="0"/>
-          <a:ext cx="0" cy="0"/>
-          <a:chOff x="0" y="0"/>
-          <a:chExt cx="0" cy="0"/>
-        </a:xfrm>
-      </p:grpSpPr>
-      <p:sp>
-        <p:nvSpPr>
-          <p:cNvPr id="7" name="직사각형 6">
-            <a:extLst>
-              <a:ext uri="{FF2B5EF4-FFF2-40B4-BE49-F238E27FC236}">
-                <a16:creationId xmlns:a16="http://schemas.microsoft.com/office/drawing/2014/main" id="{E87FDD33-8486-4FD4-9118-157689B95F9D}"/>
-              </a:ext>
-            </a:extLst>
-          </p:cNvPr>
-          <p:cNvSpPr/>
-          <p:nvPr/>
-        </p:nvSpPr>
-        <p:spPr>
-          <a:xfrm>
-            <a:off x="0" y="1"/>
-            <a:ext cx="12192000" cy="1690688"/>
-          </a:xfrm>
-          <a:prstGeom prst="rect">
-            <a:avLst/>
-          </a:prstGeom>
-          <a:solidFill>
-            <a:srgbClr val="20D68A"/>
-          </a:solidFill>
-          <a:ln>
-            <a:noFill/>
-          </a:ln>
-        </p:spPr>
-        <p:style>
-          <a:lnRef idx="2">
-            <a:schemeClr val="accent1">
-              <a:shade val="50000"/>
-            </a:schemeClr>
-          </a:lnRef>
-          <a:fillRef idx="1">
-            <a:schemeClr val="accent1"/>
-          </a:fillRef>
-          <a:effectRef idx="0">
-            <a:schemeClr val="accent1"/>
-          </a:effectRef>
-          <a:fontRef idx="minor">
-            <a:schemeClr val="lt1"/>
-          </a:fontRef>
-        </p:style>
-        <p:txBody>
-          <a:bodyPr rtlCol="0" anchor="ctr"/>
-          <a:lstStyle/>
-          <a:p>
-            <a:r>
-              <a:rPr lang="en-US" altLang="ko-KR" sz="3600" dirty="0"/>
-              <a:t>	01. PyCharm </a:t>
-            </a:r>
-            <a:r>
-              <a:rPr lang="ko-KR" altLang="en-US" sz="3600" dirty="0"/>
-              <a:t>설치</a:t>
-            </a:r>
-          </a:p>
-        </p:txBody>
-      </p:sp>
       <p:sp>
         <p:nvSpPr>
           <p:cNvPr id="11" name="TextBox 10">
@@ -7729,7 +6891,7 @@
           <a:graphicData uri="http://schemas.openxmlformats.org/presentationml/2006/ole">
             <mc:AlternateContent xmlns:mc="http://schemas.openxmlformats.org/markup-compatibility/2006">
               <mc:Choice xmlns:v="urn:schemas-microsoft-com:vml" Requires="v">
-                <p:oleObj spid="_x0000_s1028" name="Image" r:id="rId3" imgW="12190320" imgH="10818720" progId="Photoshop.Image.7">
+                <p:oleObj spid="_x0000_s1030" name="Image" r:id="rId3" imgW="12190320" imgH="10818720" progId="Photoshop.Image.7">
                   <p:embed/>
                 </p:oleObj>
               </mc:Choice>
@@ -7777,6 +6939,171 @@
 </p:sld>
 </file>
 
+<file path=ppt/slides/slide23.xml><?xml version="1.0" encoding="utf-8"?>
+<p:sld xmlns:a="http://schemas.openxmlformats.org/drawingml/2006/main" xmlns:r="http://schemas.openxmlformats.org/officeDocument/2006/relationships" xmlns:p="http://schemas.openxmlformats.org/presentationml/2006/main">
+  <p:cSld>
+    <p:spTree>
+      <p:nvGrpSpPr>
+        <p:cNvPr id="1" name=""/>
+        <p:cNvGrpSpPr/>
+        <p:nvPr/>
+      </p:nvGrpSpPr>
+      <p:grpSpPr>
+        <a:xfrm>
+          <a:off x="0" y="0"/>
+          <a:ext cx="0" cy="0"/>
+          <a:chOff x="0" y="0"/>
+          <a:chExt cx="0" cy="0"/>
+        </a:xfrm>
+      </p:grpSpPr>
+      <p:sp>
+        <p:nvSpPr>
+          <p:cNvPr id="7" name="직사각형 6">
+            <a:extLst>
+              <a:ext uri="{FF2B5EF4-FFF2-40B4-BE49-F238E27FC236}">
+                <a16:creationId xmlns:a16="http://schemas.microsoft.com/office/drawing/2014/main" id="{E87FDD33-8486-4FD4-9118-157689B95F9D}"/>
+              </a:ext>
+            </a:extLst>
+          </p:cNvPr>
+          <p:cNvSpPr/>
+          <p:nvPr/>
+        </p:nvSpPr>
+        <p:spPr>
+          <a:xfrm>
+            <a:off x="0" y="1"/>
+            <a:ext cx="12192000" cy="1690688"/>
+          </a:xfrm>
+          <a:prstGeom prst="rect">
+            <a:avLst/>
+          </a:prstGeom>
+          <a:solidFill>
+            <a:srgbClr val="20D68A"/>
+          </a:solidFill>
+          <a:ln>
+            <a:noFill/>
+          </a:ln>
+        </p:spPr>
+        <p:style>
+          <a:lnRef idx="2">
+            <a:schemeClr val="accent1">
+              <a:shade val="50000"/>
+            </a:schemeClr>
+          </a:lnRef>
+          <a:fillRef idx="1">
+            <a:schemeClr val="accent1"/>
+          </a:fillRef>
+          <a:effectRef idx="0">
+            <a:schemeClr val="accent1"/>
+          </a:effectRef>
+          <a:fontRef idx="minor">
+            <a:schemeClr val="lt1"/>
+          </a:fontRef>
+        </p:style>
+        <p:txBody>
+          <a:bodyPr rtlCol="0" anchor="ctr"/>
+          <a:lstStyle/>
+          <a:p>
+            <a:r>
+              <a:rPr lang="en-US" altLang="ko-KR" sz="3600" dirty="0"/>
+              <a:t>	01. PyCharm </a:t>
+            </a:r>
+            <a:r>
+              <a:rPr lang="ko-KR" altLang="en-US" sz="3600" dirty="0"/>
+              <a:t>설치</a:t>
+            </a:r>
+          </a:p>
+        </p:txBody>
+      </p:sp>
+      <p:pic>
+        <p:nvPicPr>
+          <p:cNvPr id="4" name="그림 3">
+            <a:extLst>
+              <a:ext uri="{FF2B5EF4-FFF2-40B4-BE49-F238E27FC236}">
+                <a16:creationId xmlns:a16="http://schemas.microsoft.com/office/drawing/2014/main" id="{A2A04C03-BEE5-4E35-B877-377947225F35}"/>
+              </a:ext>
+            </a:extLst>
+          </p:cNvPr>
+          <p:cNvPicPr>
+            <a:picLocks noChangeAspect="1"/>
+          </p:cNvPicPr>
+          <p:nvPr/>
+        </p:nvPicPr>
+        <p:blipFill>
+          <a:blip r:embed="rId2"/>
+          <a:stretch>
+            <a:fillRect/>
+          </a:stretch>
+        </p:blipFill>
+        <p:spPr>
+          <a:xfrm>
+            <a:off x="354693" y="1799770"/>
+            <a:ext cx="6901147" cy="4943475"/>
+          </a:xfrm>
+          <a:prstGeom prst="rect">
+            <a:avLst/>
+          </a:prstGeom>
+          <a:ln w="12700">
+            <a:solidFill>
+              <a:schemeClr val="tx1"/>
+            </a:solidFill>
+          </a:ln>
+        </p:spPr>
+      </p:pic>
+      <p:sp>
+        <p:nvSpPr>
+          <p:cNvPr id="5" name="TextBox 4">
+            <a:extLst>
+              <a:ext uri="{FF2B5EF4-FFF2-40B4-BE49-F238E27FC236}">
+                <a16:creationId xmlns:a16="http://schemas.microsoft.com/office/drawing/2014/main" id="{0BD3EC13-073E-4A88-80E6-32766ED43379}"/>
+              </a:ext>
+            </a:extLst>
+          </p:cNvPr>
+          <p:cNvSpPr txBox="1"/>
+          <p:nvPr/>
+        </p:nvSpPr>
+        <p:spPr>
+          <a:xfrm>
+            <a:off x="8258629" y="3120571"/>
+            <a:ext cx="2078646" cy="646331"/>
+          </a:xfrm>
+          <a:prstGeom prst="rect">
+            <a:avLst/>
+          </a:prstGeom>
+          <a:noFill/>
+        </p:spPr>
+        <p:txBody>
+          <a:bodyPr wrap="none" rtlCol="0">
+            <a:spAutoFit/>
+          </a:bodyPr>
+          <a:lstStyle/>
+          <a:p>
+            <a:r>
+              <a:rPr lang="en-US" altLang="ko-KR" dirty="0"/>
+              <a:t>Project interpreter</a:t>
+            </a:r>
+          </a:p>
+          <a:p>
+            <a:r>
+              <a:rPr lang="en-US" altLang="ko-KR" dirty="0"/>
+              <a:t>Show All</a:t>
+            </a:r>
+            <a:endParaRPr lang="ko-KR" altLang="en-US" dirty="0"/>
+          </a:p>
+        </p:txBody>
+      </p:sp>
+    </p:spTree>
+    <p:extLst>
+      <p:ext uri="{BB962C8B-B14F-4D97-AF65-F5344CB8AC3E}">
+        <p14:creationId xmlns:p14="http://schemas.microsoft.com/office/powerpoint/2010/main" val="1706336131"/>
+      </p:ext>
+    </p:extLst>
+  </p:cSld>
+  <p:clrMapOvr>
+    <a:masterClrMapping/>
+  </p:clrMapOvr>
+</p:sld>
+</file>
+
 <file path=ppt/slides/slide24.xml><?xml version="1.0" encoding="utf-8"?>
 <p:sld xmlns:a="http://schemas.openxmlformats.org/drawingml/2006/main" xmlns:r="http://schemas.openxmlformats.org/officeDocument/2006/relationships" xmlns:p="http://schemas.openxmlformats.org/presentationml/2006/main">
   <p:cSld>
@@ -7854,10 +7181,10 @@
       </p:sp>
       <p:pic>
         <p:nvPicPr>
-          <p:cNvPr id="4" name="그림 3">
-            <a:extLst>
-              <a:ext uri="{FF2B5EF4-FFF2-40B4-BE49-F238E27FC236}">
-                <a16:creationId xmlns:a16="http://schemas.microsoft.com/office/drawing/2014/main" id="{A2A04C03-BEE5-4E35-B877-377947225F35}"/>
+          <p:cNvPr id="3" name="그림 2">
+            <a:extLst>
+              <a:ext uri="{FF2B5EF4-FFF2-40B4-BE49-F238E27FC236}">
+                <a16:creationId xmlns:a16="http://schemas.microsoft.com/office/drawing/2014/main" id="{F2F996E6-E5C2-4373-99D1-C6D77E8F9433}"/>
               </a:ext>
             </a:extLst>
           </p:cNvPr>
@@ -7874,65 +7201,18 @@
         </p:blipFill>
         <p:spPr>
           <a:xfrm>
-            <a:off x="354693" y="1799770"/>
-            <a:ext cx="6901147" cy="4943475"/>
+            <a:off x="794431" y="1866434"/>
+            <a:ext cx="5301570" cy="4692661"/>
           </a:xfrm>
           <a:prstGeom prst="rect">
             <a:avLst/>
           </a:prstGeom>
-          <a:ln w="12700">
-            <a:solidFill>
-              <a:schemeClr val="tx1"/>
-            </a:solidFill>
-          </a:ln>
         </p:spPr>
       </p:pic>
-      <p:sp>
-        <p:nvSpPr>
-          <p:cNvPr id="5" name="TextBox 4">
-            <a:extLst>
-              <a:ext uri="{FF2B5EF4-FFF2-40B4-BE49-F238E27FC236}">
-                <a16:creationId xmlns:a16="http://schemas.microsoft.com/office/drawing/2014/main" id="{0BD3EC13-073E-4A88-80E6-32766ED43379}"/>
-              </a:ext>
-            </a:extLst>
-          </p:cNvPr>
-          <p:cNvSpPr txBox="1"/>
-          <p:nvPr/>
-        </p:nvSpPr>
-        <p:spPr>
-          <a:xfrm>
-            <a:off x="8258629" y="3120571"/>
-            <a:ext cx="2078646" cy="646331"/>
-          </a:xfrm>
-          <a:prstGeom prst="rect">
-            <a:avLst/>
-          </a:prstGeom>
-          <a:noFill/>
-        </p:spPr>
-        <p:txBody>
-          <a:bodyPr wrap="none" rtlCol="0">
-            <a:spAutoFit/>
-          </a:bodyPr>
-          <a:lstStyle/>
-          <a:p>
-            <a:r>
-              <a:rPr lang="en-US" altLang="ko-KR" dirty="0"/>
-              <a:t>Project interpreter</a:t>
-            </a:r>
-          </a:p>
-          <a:p>
-            <a:r>
-              <a:rPr lang="en-US" altLang="ko-KR" dirty="0"/>
-              <a:t>Show All</a:t>
-            </a:r>
-            <a:endParaRPr lang="ko-KR" altLang="en-US" dirty="0"/>
-          </a:p>
-        </p:txBody>
-      </p:sp>
     </p:spTree>
     <p:extLst>
       <p:ext uri="{BB962C8B-B14F-4D97-AF65-F5344CB8AC3E}">
-        <p14:creationId xmlns:p14="http://schemas.microsoft.com/office/powerpoint/2010/main" val="1706336131"/>
+        <p14:creationId xmlns:p14="http://schemas.microsoft.com/office/powerpoint/2010/main" val="727596394"/>
       </p:ext>
     </p:extLst>
   </p:cSld>
@@ -7959,12 +7239,153 @@
           <a:chExt cx="0" cy="0"/>
         </a:xfrm>
       </p:grpSpPr>
-      <p:sp>
-        <p:nvSpPr>
-          <p:cNvPr id="7" name="직사각형 6">
-            <a:extLst>
-              <a:ext uri="{FF2B5EF4-FFF2-40B4-BE49-F238E27FC236}">
-                <a16:creationId xmlns:a16="http://schemas.microsoft.com/office/drawing/2014/main" id="{E87FDD33-8486-4FD4-9118-157689B95F9D}"/>
+      <p:pic>
+        <p:nvPicPr>
+          <p:cNvPr id="7" name="그림 6">
+            <a:extLst>
+              <a:ext uri="{FF2B5EF4-FFF2-40B4-BE49-F238E27FC236}">
+                <a16:creationId xmlns:a16="http://schemas.microsoft.com/office/drawing/2014/main" id="{AF0CF061-4092-4797-BE74-E5B27792C9F1}"/>
+              </a:ext>
+            </a:extLst>
+          </p:cNvPr>
+          <p:cNvPicPr>
+            <a:picLocks noChangeAspect="1"/>
+          </p:cNvPicPr>
+          <p:nvPr/>
+        </p:nvPicPr>
+        <p:blipFill>
+          <a:blip r:embed="rId2"/>
+          <a:stretch>
+            <a:fillRect/>
+          </a:stretch>
+        </p:blipFill>
+        <p:spPr>
+          <a:xfrm>
+            <a:off x="0" y="0"/>
+            <a:ext cx="12190385" cy="6858000"/>
+          </a:xfrm>
+          <a:prstGeom prst="rect">
+            <a:avLst/>
+          </a:prstGeom>
+        </p:spPr>
+      </p:pic>
+      <p:sp>
+        <p:nvSpPr>
+          <p:cNvPr id="8" name="내용 개체 틀 2">
+            <a:extLst>
+              <a:ext uri="{FF2B5EF4-FFF2-40B4-BE49-F238E27FC236}">
+                <a16:creationId xmlns:a16="http://schemas.microsoft.com/office/drawing/2014/main" id="{5CC508F0-AE85-45EA-9922-E02DABB0D315}"/>
+              </a:ext>
+            </a:extLst>
+          </p:cNvPr>
+          <p:cNvSpPr>
+            <a:spLocks noGrp="1"/>
+          </p:cNvSpPr>
+          <p:nvPr>
+            <p:ph idx="1"/>
+          </p:nvPr>
+        </p:nvSpPr>
+        <p:spPr>
+          <a:xfrm>
+            <a:off x="0" y="480806"/>
+            <a:ext cx="11916229" cy="5896388"/>
+          </a:xfrm>
+        </p:spPr>
+        <p:txBody>
+          <a:bodyPr>
+            <a:normAutofit/>
+          </a:bodyPr>
+          <a:lstStyle/>
+          <a:p>
+            <a:pPr marL="0" indent="0">
+              <a:buNone/>
+            </a:pPr>
+            <a:endParaRPr lang="en-US" altLang="ko-KR" sz="2400" dirty="0">
+              <a:solidFill>
+                <a:schemeClr val="bg1"/>
+              </a:solidFill>
+            </a:endParaRPr>
+          </a:p>
+          <a:p>
+            <a:pPr marL="0" indent="0">
+              <a:buNone/>
+            </a:pPr>
+            <a:r>
+              <a:rPr lang="en-US" altLang="ko-KR" sz="2400" dirty="0">
+                <a:solidFill>
+                  <a:schemeClr val="bg1"/>
+                </a:solidFill>
+              </a:rPr>
+              <a:t>(base) C:\WINDOWS\system32&gt;</a:t>
+            </a:r>
+            <a:r>
+              <a:rPr lang="en-US" altLang="ko-KR" sz="2400" b="1" dirty="0">
+                <a:solidFill>
+                  <a:schemeClr val="bg1"/>
+                </a:solidFill>
+              </a:rPr>
+              <a:t>cd C:\Users\leehyunjoo\dl_notebooks</a:t>
+            </a:r>
+          </a:p>
+          <a:p>
+            <a:pPr marL="0" indent="0">
+              <a:buNone/>
+            </a:pPr>
+            <a:endParaRPr lang="en-US" altLang="ko-KR" sz="2400" dirty="0">
+              <a:solidFill>
+                <a:schemeClr val="bg1"/>
+              </a:solidFill>
+            </a:endParaRPr>
+          </a:p>
+          <a:p>
+            <a:pPr marL="0" indent="0">
+              <a:buNone/>
+            </a:pPr>
+            <a:r>
+              <a:rPr lang="en-US" altLang="ko-KR" sz="2400" dirty="0">
+                <a:solidFill>
+                  <a:schemeClr val="bg1"/>
+                </a:solidFill>
+              </a:rPr>
+              <a:t>(base) C:\Users\leehyunjoo\dl_notebooks&gt;</a:t>
+            </a:r>
+            <a:r>
+              <a:rPr lang="en-US" altLang="ko-KR" sz="2400" b="1" dirty="0">
+                <a:solidFill>
+                  <a:schemeClr val="bg1"/>
+                </a:solidFill>
+              </a:rPr>
+              <a:t>jupyter notebook</a:t>
+            </a:r>
+          </a:p>
+          <a:p>
+            <a:pPr marL="0" indent="0">
+              <a:buNone/>
+            </a:pPr>
+            <a:endParaRPr lang="en-US" altLang="ko-KR" sz="2400" b="1" dirty="0">
+              <a:solidFill>
+                <a:schemeClr val="bg1"/>
+              </a:solidFill>
+            </a:endParaRPr>
+          </a:p>
+          <a:p>
+            <a:pPr marL="0" indent="0">
+              <a:buNone/>
+            </a:pPr>
+            <a:endParaRPr lang="ko-KR" altLang="en-US" sz="2400" dirty="0">
+              <a:solidFill>
+                <a:schemeClr val="bg1"/>
+              </a:solidFill>
+            </a:endParaRPr>
+          </a:p>
+        </p:txBody>
+      </p:sp>
+      <p:sp>
+        <p:nvSpPr>
+          <p:cNvPr id="9" name="직사각형 8">
+            <a:extLst>
+              <a:ext uri="{FF2B5EF4-FFF2-40B4-BE49-F238E27FC236}">
+                <a16:creationId xmlns:a16="http://schemas.microsoft.com/office/drawing/2014/main" id="{6FDC776E-6112-4F55-A311-CFF8F5C263EE}"/>
               </a:ext>
             </a:extLst>
           </p:cNvPr>
@@ -7973,14 +7394,16 @@
         </p:nvSpPr>
         <p:spPr>
           <a:xfrm>
-            <a:off x="0" y="1"/>
-            <a:ext cx="12192000" cy="1690688"/>
+            <a:off x="7750628" y="2732313"/>
+            <a:ext cx="3831772" cy="624115"/>
           </a:xfrm>
           <a:prstGeom prst="rect">
             <a:avLst/>
           </a:prstGeom>
           <a:solidFill>
-            <a:srgbClr val="20D68A"/>
+            <a:schemeClr val="bg1">
+              <a:lumMod val="95000"/>
+            </a:schemeClr>
           </a:solidFill>
           <a:ln>
             <a:noFill/>
@@ -8006,267 +7429,6 @@
           <a:bodyPr rtlCol="0" anchor="ctr"/>
           <a:lstStyle/>
           <a:p>
-            <a:r>
-              <a:rPr lang="en-US" altLang="ko-KR" sz="3600" dirty="0"/>
-              <a:t>	01. PyCharm </a:t>
-            </a:r>
-            <a:r>
-              <a:rPr lang="ko-KR" altLang="en-US" sz="3600" dirty="0"/>
-              <a:t>설치</a:t>
-            </a:r>
-          </a:p>
-        </p:txBody>
-      </p:sp>
-      <p:pic>
-        <p:nvPicPr>
-          <p:cNvPr id="3" name="그림 2">
-            <a:extLst>
-              <a:ext uri="{FF2B5EF4-FFF2-40B4-BE49-F238E27FC236}">
-                <a16:creationId xmlns:a16="http://schemas.microsoft.com/office/drawing/2014/main" id="{F2F996E6-E5C2-4373-99D1-C6D77E8F9433}"/>
-              </a:ext>
-            </a:extLst>
-          </p:cNvPr>
-          <p:cNvPicPr>
-            <a:picLocks noChangeAspect="1"/>
-          </p:cNvPicPr>
-          <p:nvPr/>
-        </p:nvPicPr>
-        <p:blipFill>
-          <a:blip r:embed="rId2"/>
-          <a:stretch>
-            <a:fillRect/>
-          </a:stretch>
-        </p:blipFill>
-        <p:spPr>
-          <a:xfrm>
-            <a:off x="794431" y="1866434"/>
-            <a:ext cx="5301570" cy="4692661"/>
-          </a:xfrm>
-          <a:prstGeom prst="rect">
-            <a:avLst/>
-          </a:prstGeom>
-        </p:spPr>
-      </p:pic>
-    </p:spTree>
-    <p:extLst>
-      <p:ext uri="{BB962C8B-B14F-4D97-AF65-F5344CB8AC3E}">
-        <p14:creationId xmlns:p14="http://schemas.microsoft.com/office/powerpoint/2010/main" val="727596394"/>
-      </p:ext>
-    </p:extLst>
-  </p:cSld>
-  <p:clrMapOvr>
-    <a:masterClrMapping/>
-  </p:clrMapOvr>
-</p:sld>
-</file>
-
-<file path=ppt/slides/slide26.xml><?xml version="1.0" encoding="utf-8"?>
-<p:sld xmlns:a="http://schemas.openxmlformats.org/drawingml/2006/main" xmlns:r="http://schemas.openxmlformats.org/officeDocument/2006/relationships" xmlns:p="http://schemas.openxmlformats.org/presentationml/2006/main">
-  <p:cSld>
-    <p:spTree>
-      <p:nvGrpSpPr>
-        <p:cNvPr id="1" name=""/>
-        <p:cNvGrpSpPr/>
-        <p:nvPr/>
-      </p:nvGrpSpPr>
-      <p:grpSpPr>
-        <a:xfrm>
-          <a:off x="0" y="0"/>
-          <a:ext cx="0" cy="0"/>
-          <a:chOff x="0" y="0"/>
-          <a:chExt cx="0" cy="0"/>
-        </a:xfrm>
-      </p:grpSpPr>
-      <p:pic>
-        <p:nvPicPr>
-          <p:cNvPr id="7" name="그림 6">
-            <a:extLst>
-              <a:ext uri="{FF2B5EF4-FFF2-40B4-BE49-F238E27FC236}">
-                <a16:creationId xmlns:a16="http://schemas.microsoft.com/office/drawing/2014/main" id="{AF0CF061-4092-4797-BE74-E5B27792C9F1}"/>
-              </a:ext>
-            </a:extLst>
-          </p:cNvPr>
-          <p:cNvPicPr>
-            <a:picLocks noChangeAspect="1"/>
-          </p:cNvPicPr>
-          <p:nvPr/>
-        </p:nvPicPr>
-        <p:blipFill>
-          <a:blip r:embed="rId2"/>
-          <a:stretch>
-            <a:fillRect/>
-          </a:stretch>
-        </p:blipFill>
-        <p:spPr>
-          <a:xfrm>
-            <a:off x="0" y="0"/>
-            <a:ext cx="12190385" cy="6858000"/>
-          </a:xfrm>
-          <a:prstGeom prst="rect">
-            <a:avLst/>
-          </a:prstGeom>
-        </p:spPr>
-      </p:pic>
-      <p:sp>
-        <p:nvSpPr>
-          <p:cNvPr id="8" name="내용 개체 틀 2">
-            <a:extLst>
-              <a:ext uri="{FF2B5EF4-FFF2-40B4-BE49-F238E27FC236}">
-                <a16:creationId xmlns:a16="http://schemas.microsoft.com/office/drawing/2014/main" id="{5CC508F0-AE85-45EA-9922-E02DABB0D315}"/>
-              </a:ext>
-            </a:extLst>
-          </p:cNvPr>
-          <p:cNvSpPr>
-            <a:spLocks noGrp="1"/>
-          </p:cNvSpPr>
-          <p:nvPr>
-            <p:ph idx="1"/>
-          </p:nvPr>
-        </p:nvSpPr>
-        <p:spPr>
-          <a:xfrm>
-            <a:off x="0" y="480806"/>
-            <a:ext cx="11916229" cy="5896388"/>
-          </a:xfrm>
-        </p:spPr>
-        <p:txBody>
-          <a:bodyPr>
-            <a:normAutofit/>
-          </a:bodyPr>
-          <a:lstStyle/>
-          <a:p>
-            <a:pPr marL="0" indent="0">
-              <a:buNone/>
-            </a:pPr>
-            <a:endParaRPr lang="en-US" altLang="ko-KR" sz="2400" dirty="0">
-              <a:solidFill>
-                <a:schemeClr val="bg1"/>
-              </a:solidFill>
-            </a:endParaRPr>
-          </a:p>
-          <a:p>
-            <a:pPr marL="0" indent="0">
-              <a:buNone/>
-            </a:pPr>
-            <a:r>
-              <a:rPr lang="en-US" altLang="ko-KR" sz="2400" dirty="0">
-                <a:solidFill>
-                  <a:schemeClr val="bg1"/>
-                </a:solidFill>
-              </a:rPr>
-              <a:t>(base) C:\WINDOWS\system32&gt;</a:t>
-            </a:r>
-            <a:r>
-              <a:rPr lang="en-US" altLang="ko-KR" sz="2400" b="1" dirty="0">
-                <a:solidFill>
-                  <a:schemeClr val="bg1"/>
-                </a:solidFill>
-              </a:rPr>
-              <a:t>cd C:\Users\leehyunjoo\dl_notebooks</a:t>
-            </a:r>
-          </a:p>
-          <a:p>
-            <a:pPr marL="0" indent="0">
-              <a:buNone/>
-            </a:pPr>
-            <a:endParaRPr lang="en-US" altLang="ko-KR" sz="2400" dirty="0">
-              <a:solidFill>
-                <a:schemeClr val="bg1"/>
-              </a:solidFill>
-            </a:endParaRPr>
-          </a:p>
-          <a:p>
-            <a:pPr marL="0" indent="0">
-              <a:buNone/>
-            </a:pPr>
-            <a:r>
-              <a:rPr lang="en-US" altLang="ko-KR" sz="2400" dirty="0">
-                <a:solidFill>
-                  <a:schemeClr val="bg1"/>
-                </a:solidFill>
-              </a:rPr>
-              <a:t>(base) C:\Users\leehyunjoo\dl_notebooks&gt;</a:t>
-            </a:r>
-            <a:r>
-              <a:rPr lang="en-US" altLang="ko-KR" sz="2400" b="1" dirty="0">
-                <a:solidFill>
-                  <a:schemeClr val="bg1"/>
-                </a:solidFill>
-              </a:rPr>
-              <a:t>jupyter notebook</a:t>
-            </a:r>
-          </a:p>
-          <a:p>
-            <a:pPr marL="0" indent="0">
-              <a:buNone/>
-            </a:pPr>
-            <a:endParaRPr lang="en-US" altLang="ko-KR" sz="2400" b="1" dirty="0">
-              <a:solidFill>
-                <a:schemeClr val="bg1"/>
-              </a:solidFill>
-            </a:endParaRPr>
-          </a:p>
-          <a:p>
-            <a:pPr marL="0" indent="0">
-              <a:buNone/>
-            </a:pPr>
-            <a:endParaRPr lang="ko-KR" altLang="en-US" sz="2400" dirty="0">
-              <a:solidFill>
-                <a:schemeClr val="bg1"/>
-              </a:solidFill>
-            </a:endParaRPr>
-          </a:p>
-        </p:txBody>
-      </p:sp>
-      <p:sp>
-        <p:nvSpPr>
-          <p:cNvPr id="9" name="직사각형 8">
-            <a:extLst>
-              <a:ext uri="{FF2B5EF4-FFF2-40B4-BE49-F238E27FC236}">
-                <a16:creationId xmlns:a16="http://schemas.microsoft.com/office/drawing/2014/main" id="{6FDC776E-6112-4F55-A311-CFF8F5C263EE}"/>
-              </a:ext>
-            </a:extLst>
-          </p:cNvPr>
-          <p:cNvSpPr/>
-          <p:nvPr/>
-        </p:nvSpPr>
-        <p:spPr>
-          <a:xfrm>
-            <a:off x="7750628" y="2732313"/>
-            <a:ext cx="3831772" cy="624115"/>
-          </a:xfrm>
-          <a:prstGeom prst="rect">
-            <a:avLst/>
-          </a:prstGeom>
-          <a:solidFill>
-            <a:schemeClr val="bg1">
-              <a:lumMod val="95000"/>
-            </a:schemeClr>
-          </a:solidFill>
-          <a:ln>
-            <a:noFill/>
-          </a:ln>
-        </p:spPr>
-        <p:style>
-          <a:lnRef idx="2">
-            <a:schemeClr val="accent1">
-              <a:shade val="50000"/>
-            </a:schemeClr>
-          </a:lnRef>
-          <a:fillRef idx="1">
-            <a:schemeClr val="accent1"/>
-          </a:fillRef>
-          <a:effectRef idx="0">
-            <a:schemeClr val="accent1"/>
-          </a:effectRef>
-          <a:fontRef idx="minor">
-            <a:schemeClr val="lt1"/>
-          </a:fontRef>
-        </p:style>
-        <p:txBody>
-          <a:bodyPr rtlCol="0" anchor="ctr"/>
-          <a:lstStyle/>
-          <a:p>
             <a:pPr algn="ctr"/>
             <a:r>
               <a:rPr lang="en-US" altLang="ko-KR" dirty="0">
@@ -8300,7 +7462,7 @@
 </p:sld>
 </file>
 
-<file path=ppt/slides/slide27.xml><?xml version="1.0" encoding="utf-8"?>
+<file path=ppt/slides/slide26.xml><?xml version="1.0" encoding="utf-8"?>
 <p:sld xmlns:a="http://schemas.openxmlformats.org/drawingml/2006/main" xmlns:r="http://schemas.openxmlformats.org/officeDocument/2006/relationships" xmlns:p="http://schemas.openxmlformats.org/presentationml/2006/main">
   <p:cSld>
     <p:spTree>
